--- a/manuscript/Revised/Final_Figure/Fig9_new.pptx
+++ b/manuscript/Revised/Final_Figure/Fig9_new.pptx
@@ -197,7 +197,7 @@
           <a:p>
             <a:fld id="{7384DCB3-15F9-4D74-B850-4C5894CDF6AA}" type="datetimeFigureOut">
               <a:rPr lang="fi-FI" smtClean="0"/>
-              <a:t>15.10.2024</a:t>
+              <a:t>16.10.2024</a:t>
             </a:fld>
             <a:endParaRPr lang="fi-FI"/>
           </a:p>
@@ -685,7 +685,7 @@
           <a:p>
             <a:fld id="{0C1570F5-9FB1-4A3B-864E-33D212171B2E}" type="datetimeFigureOut">
               <a:rPr lang="fi-FI" smtClean="0"/>
-              <a:t>15.10.2024</a:t>
+              <a:t>16.10.2024</a:t>
             </a:fld>
             <a:endParaRPr lang="fi-FI"/>
           </a:p>
@@ -855,7 +855,7 @@
           <a:p>
             <a:fld id="{0C1570F5-9FB1-4A3B-864E-33D212171B2E}" type="datetimeFigureOut">
               <a:rPr lang="fi-FI" smtClean="0"/>
-              <a:t>15.10.2024</a:t>
+              <a:t>16.10.2024</a:t>
             </a:fld>
             <a:endParaRPr lang="fi-FI"/>
           </a:p>
@@ -1035,7 +1035,7 @@
           <a:p>
             <a:fld id="{0C1570F5-9FB1-4A3B-864E-33D212171B2E}" type="datetimeFigureOut">
               <a:rPr lang="fi-FI" smtClean="0"/>
-              <a:t>15.10.2024</a:t>
+              <a:t>16.10.2024</a:t>
             </a:fld>
             <a:endParaRPr lang="fi-FI"/>
           </a:p>
@@ -1393,7 +1393,7 @@
           <a:p>
             <a:fld id="{0C1570F5-9FB1-4A3B-864E-33D212171B2E}" type="datetimeFigureOut">
               <a:rPr lang="fi-FI" smtClean="0"/>
-              <a:t>15.10.2024</a:t>
+              <a:t>16.10.2024</a:t>
             </a:fld>
             <a:endParaRPr lang="fi-FI"/>
           </a:p>
@@ -1639,7 +1639,7 @@
           <a:p>
             <a:fld id="{0C1570F5-9FB1-4A3B-864E-33D212171B2E}" type="datetimeFigureOut">
               <a:rPr lang="fi-FI" smtClean="0"/>
-              <a:t>15.10.2024</a:t>
+              <a:t>16.10.2024</a:t>
             </a:fld>
             <a:endParaRPr lang="fi-FI"/>
           </a:p>
@@ -1871,7 +1871,7 @@
           <a:p>
             <a:fld id="{0C1570F5-9FB1-4A3B-864E-33D212171B2E}" type="datetimeFigureOut">
               <a:rPr lang="fi-FI" smtClean="0"/>
-              <a:t>15.10.2024</a:t>
+              <a:t>16.10.2024</a:t>
             </a:fld>
             <a:endParaRPr lang="fi-FI"/>
           </a:p>
@@ -2238,7 +2238,7 @@
           <a:p>
             <a:fld id="{0C1570F5-9FB1-4A3B-864E-33D212171B2E}" type="datetimeFigureOut">
               <a:rPr lang="fi-FI" smtClean="0"/>
-              <a:t>15.10.2024</a:t>
+              <a:t>16.10.2024</a:t>
             </a:fld>
             <a:endParaRPr lang="fi-FI"/>
           </a:p>
@@ -2356,7 +2356,7 @@
           <a:p>
             <a:fld id="{0C1570F5-9FB1-4A3B-864E-33D212171B2E}" type="datetimeFigureOut">
               <a:rPr lang="fi-FI" smtClean="0"/>
-              <a:t>15.10.2024</a:t>
+              <a:t>16.10.2024</a:t>
             </a:fld>
             <a:endParaRPr lang="fi-FI"/>
           </a:p>
@@ -2451,7 +2451,7 @@
           <a:p>
             <a:fld id="{0C1570F5-9FB1-4A3B-864E-33D212171B2E}" type="datetimeFigureOut">
               <a:rPr lang="fi-FI" smtClean="0"/>
-              <a:t>15.10.2024</a:t>
+              <a:t>16.10.2024</a:t>
             </a:fld>
             <a:endParaRPr lang="fi-FI"/>
           </a:p>
@@ -2728,7 +2728,7 @@
           <a:p>
             <a:fld id="{0C1570F5-9FB1-4A3B-864E-33D212171B2E}" type="datetimeFigureOut">
               <a:rPr lang="fi-FI" smtClean="0"/>
-              <a:t>15.10.2024</a:t>
+              <a:t>16.10.2024</a:t>
             </a:fld>
             <a:endParaRPr lang="fi-FI"/>
           </a:p>
@@ -2981,7 +2981,7 @@
           <a:p>
             <a:fld id="{0C1570F5-9FB1-4A3B-864E-33D212171B2E}" type="datetimeFigureOut">
               <a:rPr lang="fi-FI" smtClean="0"/>
-              <a:t>15.10.2024</a:t>
+              <a:t>16.10.2024</a:t>
             </a:fld>
             <a:endParaRPr lang="fi-FI"/>
           </a:p>
@@ -3194,7 +3194,7 @@
           <a:p>
             <a:fld id="{0C1570F5-9FB1-4A3B-864E-33D212171B2E}" type="datetimeFigureOut">
               <a:rPr lang="fi-FI" smtClean="0"/>
-              <a:t>15.10.2024</a:t>
+              <a:t>16.10.2024</a:t>
             </a:fld>
             <a:endParaRPr lang="fi-FI"/>
           </a:p>
@@ -6428,6 +6428,147 @@
           </a:prstGeom>
         </p:spPr>
       </p:pic>
+      <p:sp>
+        <p:nvSpPr>
+          <p:cNvPr id="97" name="Oval 96"/>
+          <p:cNvSpPr/>
+          <p:nvPr/>
+        </p:nvSpPr>
+        <p:spPr>
+          <a:xfrm>
+            <a:off x="7944649" y="1866782"/>
+            <a:ext cx="737905" cy="298450"/>
+          </a:xfrm>
+          <a:prstGeom prst="ellipse">
+            <a:avLst/>
+          </a:prstGeom>
+          <a:noFill/>
+          <a:ln w="19050">
+            <a:solidFill>
+              <a:srgbClr val="FF9900"/>
+            </a:solidFill>
+            <a:prstDash val="solid"/>
+          </a:ln>
+        </p:spPr>
+        <p:style>
+          <a:lnRef idx="2">
+            <a:schemeClr val="accent1">
+              <a:shade val="50000"/>
+            </a:schemeClr>
+          </a:lnRef>
+          <a:fillRef idx="1">
+            <a:schemeClr val="accent1"/>
+          </a:fillRef>
+          <a:effectRef idx="0">
+            <a:schemeClr val="accent1"/>
+          </a:effectRef>
+          <a:fontRef idx="minor">
+            <a:schemeClr val="lt1"/>
+          </a:fontRef>
+        </p:style>
+        <p:txBody>
+          <a:bodyPr rtlCol="0" anchor="ctr"/>
+          <a:lstStyle/>
+          <a:p>
+            <a:pPr algn="ctr"/>
+            <a:endParaRPr lang="fi-FI"/>
+          </a:p>
+        </p:txBody>
+      </p:sp>
+      <p:sp>
+        <p:nvSpPr>
+          <p:cNvPr id="109" name="Oval 108"/>
+          <p:cNvSpPr/>
+          <p:nvPr/>
+        </p:nvSpPr>
+        <p:spPr>
+          <a:xfrm>
+            <a:off x="4419576" y="3970884"/>
+            <a:ext cx="737905" cy="298450"/>
+          </a:xfrm>
+          <a:prstGeom prst="ellipse">
+            <a:avLst/>
+          </a:prstGeom>
+          <a:noFill/>
+          <a:ln w="19050">
+            <a:solidFill>
+              <a:srgbClr val="FF9900"/>
+            </a:solidFill>
+            <a:prstDash val="solid"/>
+          </a:ln>
+        </p:spPr>
+        <p:style>
+          <a:lnRef idx="2">
+            <a:schemeClr val="accent1">
+              <a:shade val="50000"/>
+            </a:schemeClr>
+          </a:lnRef>
+          <a:fillRef idx="1">
+            <a:schemeClr val="accent1"/>
+          </a:fillRef>
+          <a:effectRef idx="0">
+            <a:schemeClr val="accent1"/>
+          </a:effectRef>
+          <a:fontRef idx="minor">
+            <a:schemeClr val="lt1"/>
+          </a:fontRef>
+        </p:style>
+        <p:txBody>
+          <a:bodyPr rtlCol="0" anchor="ctr"/>
+          <a:lstStyle/>
+          <a:p>
+            <a:pPr algn="ctr"/>
+            <a:endParaRPr lang="fi-FI"/>
+          </a:p>
+        </p:txBody>
+      </p:sp>
+      <p:sp>
+        <p:nvSpPr>
+          <p:cNvPr id="110" name="Oval 109"/>
+          <p:cNvSpPr/>
+          <p:nvPr/>
+        </p:nvSpPr>
+        <p:spPr>
+          <a:xfrm>
+            <a:off x="8160335" y="3970884"/>
+            <a:ext cx="1503019" cy="298450"/>
+          </a:xfrm>
+          <a:prstGeom prst="ellipse">
+            <a:avLst/>
+          </a:prstGeom>
+          <a:noFill/>
+          <a:ln w="19050">
+            <a:solidFill>
+              <a:srgbClr val="FF9900"/>
+            </a:solidFill>
+            <a:prstDash val="solid"/>
+          </a:ln>
+        </p:spPr>
+        <p:style>
+          <a:lnRef idx="2">
+            <a:schemeClr val="accent1">
+              <a:shade val="50000"/>
+            </a:schemeClr>
+          </a:lnRef>
+          <a:fillRef idx="1">
+            <a:schemeClr val="accent1"/>
+          </a:fillRef>
+          <a:effectRef idx="0">
+            <a:schemeClr val="accent1"/>
+          </a:effectRef>
+          <a:fontRef idx="minor">
+            <a:schemeClr val="lt1"/>
+          </a:fontRef>
+        </p:style>
+        <p:txBody>
+          <a:bodyPr rtlCol="0" anchor="ctr"/>
+          <a:lstStyle/>
+          <a:p>
+            <a:pPr algn="ctr"/>
+            <a:endParaRPr lang="fi-FI"/>
+          </a:p>
+        </p:txBody>
+      </p:sp>
     </p:spTree>
     <p:extLst>
       <p:ext uri="{BB962C8B-B14F-4D97-AF65-F5344CB8AC3E}">

--- a/manuscript/Revised/Final_Figure/Fig9_new.pptx
+++ b/manuscript/Revised/Final_Figure/Fig9_new.pptx
@@ -104,6 +104,11 @@
       </a:defRPr>
     </a:lvl9pPr>
   </p:defaultTextStyle>
+  <p:extLst>
+    <p:ext uri="{EFAFB233-063F-42B5-8137-9DF3F51BA10A}">
+      <p15:sldGuideLst xmlns:p15="http://schemas.microsoft.com/office/powerpoint/2012/main"/>
+    </p:ext>
+  </p:extLst>
 </p:presentation>
 </file>
 
@@ -1396,7 +1401,7 @@
           <a:p>
             <a:fld id="{0D4FDB3F-4314-40DD-9228-47D28FBCA990}" type="datetimeFigureOut">
               <a:rPr lang="fi-FI" smtClean="0"/>
-              <a:t>11.10.2024</a:t>
+              <a:t>21.10.2024</a:t>
             </a:fld>
             <a:endParaRPr lang="fi-FI"/>
           </a:p>
@@ -3964,7 +3969,7 @@
         </p:nvSpPr>
         <p:spPr>
           <a:xfrm>
-            <a:off x="4862757" y="3627753"/>
+            <a:off x="3315305" y="2456178"/>
             <a:ext cx="144255" cy="159816"/>
           </a:xfrm>
           <a:custGeom>
@@ -4025,7 +4030,7 @@
         </p:nvGrpSpPr>
         <p:grpSpPr>
           <a:xfrm>
-            <a:off x="6019270" y="534322"/>
+            <a:off x="3700295" y="585612"/>
             <a:ext cx="5501219" cy="3349004"/>
             <a:chOff x="446006" y="-161391"/>
             <a:chExt cx="5433331" cy="4316359"/>
@@ -5119,7 +5124,7 @@
         </p:nvGrpSpPr>
         <p:grpSpPr>
           <a:xfrm>
-            <a:off x="276405" y="7713849"/>
+            <a:off x="276405" y="7456674"/>
             <a:ext cx="5385841" cy="2897866"/>
             <a:chOff x="0" y="-1"/>
             <a:chExt cx="10795848" cy="6210301"/>
@@ -8286,7 +8291,7 @@
         </p:nvSpPr>
         <p:spPr bwMode="auto">
           <a:xfrm>
-            <a:off x="41156" y="3925361"/>
+            <a:off x="41156" y="3744386"/>
             <a:ext cx="497003" cy="635787"/>
           </a:xfrm>
           <a:prstGeom prst="rect">
@@ -8519,7 +8524,7 @@
         </p:nvGrpSpPr>
         <p:grpSpPr>
           <a:xfrm>
-            <a:off x="369345" y="4348053"/>
+            <a:off x="369345" y="4252803"/>
             <a:ext cx="5292901" cy="2788508"/>
             <a:chOff x="103553" y="866352"/>
             <a:chExt cx="9040447" cy="5346627"/>
@@ -11272,7 +11277,7 @@
         </p:nvSpPr>
         <p:spPr bwMode="auto">
           <a:xfrm>
-            <a:off x="1490156" y="3952672"/>
+            <a:off x="1490156" y="3876472"/>
             <a:ext cx="880121" cy="512676"/>
           </a:xfrm>
           <a:prstGeom prst="rect">
@@ -11358,7 +11363,7 @@
         </p:nvSpPr>
         <p:spPr bwMode="auto">
           <a:xfrm>
-            <a:off x="2140088" y="7438145"/>
+            <a:off x="2140088" y="7209545"/>
             <a:ext cx="1422962" cy="512676"/>
           </a:xfrm>
           <a:prstGeom prst="rect">
@@ -11455,7 +11460,7 @@
         </p:nvSpPr>
         <p:spPr bwMode="auto">
           <a:xfrm>
-            <a:off x="6662561" y="233014"/>
+            <a:off x="6501306" y="117861"/>
             <a:ext cx="2918948" cy="451121"/>
           </a:xfrm>
           <a:prstGeom prst="rect">
@@ -11534,2384 +11539,6 @@
           </a:p>
         </p:txBody>
       </p:sp>
-      <p:graphicFrame>
-        <p:nvGraphicFramePr>
-          <p:cNvPr id="231" name="Table 230"/>
-          <p:cNvGraphicFramePr>
-            <a:graphicFrameLocks noGrp="1"/>
-          </p:cNvGraphicFramePr>
-          <p:nvPr>
-            <p:extLst>
-              <p:ext uri="{D42A27DB-BD31-4B8C-83A1-F6EECF244321}">
-                <p14:modId xmlns:p14="http://schemas.microsoft.com/office/powerpoint/2010/main" val="1162012022"/>
-              </p:ext>
-            </p:extLst>
-          </p:nvPr>
-        </p:nvGraphicFramePr>
-        <p:xfrm>
-          <a:off x="159321" y="491401"/>
-          <a:ext cx="5299481" cy="3401512"/>
-        </p:xfrm>
-        <a:graphic>
-          <a:graphicData uri="http://schemas.openxmlformats.org/drawingml/2006/table">
-            <a:tbl>
-              <a:tblPr firstRow="1" bandRow="1">
-                <a:tableStyleId>{5940675A-B579-460E-94D1-54222C63F5DA}</a:tableStyleId>
-              </a:tblPr>
-              <a:tblGrid>
-                <a:gridCol w="2094081">
-                  <a:extLst>
-                    <a:ext uri="{9D8B030D-6E8A-4147-A177-3AD203B41FA5}">
-                      <a16:colId xmlns:a16="http://schemas.microsoft.com/office/drawing/2014/main" val="3281483992"/>
-                    </a:ext>
-                  </a:extLst>
-                </a:gridCol>
-                <a:gridCol w="1897686">
-                  <a:extLst>
-                    <a:ext uri="{9D8B030D-6E8A-4147-A177-3AD203B41FA5}">
-                      <a16:colId xmlns:a16="http://schemas.microsoft.com/office/drawing/2014/main" val="2165103473"/>
-                    </a:ext>
-                  </a:extLst>
-                </a:gridCol>
-                <a:gridCol w="1307714">
-                  <a:extLst>
-                    <a:ext uri="{9D8B030D-6E8A-4147-A177-3AD203B41FA5}">
-                      <a16:colId xmlns:a16="http://schemas.microsoft.com/office/drawing/2014/main" val="1764714392"/>
-                    </a:ext>
-                  </a:extLst>
-                </a:gridCol>
-              </a:tblGrid>
-              <a:tr h="335280">
-                <a:tc>
-                  <a:txBody>
-                    <a:bodyPr/>
-                    <a:lstStyle/>
-                    <a:p>
-                      <a:pPr algn="l"/>
-                      <a:r>
-                        <a:rPr lang="fi-FI" sz="1500" b="1" dirty="0" err="1" smtClean="0">
-                          <a:latin typeface="Arial" panose="020B0604020202020204" pitchFamily="34" charset="0"/>
-                          <a:cs typeface="Arial" panose="020B0604020202020204" pitchFamily="34" charset="0"/>
-                        </a:rPr>
-                        <a:t>Subgroup</a:t>
-                      </a:r>
-                      <a:endParaRPr lang="fi-FI" sz="1500" b="1" dirty="0">
-                        <a:latin typeface="Arial" panose="020B0604020202020204" pitchFamily="34" charset="0"/>
-                        <a:cs typeface="Arial" panose="020B0604020202020204" pitchFamily="34" charset="0"/>
-                      </a:endParaRPr>
-                    </a:p>
-                  </a:txBody>
-                  <a:tcPr anchor="ctr">
-                    <a:lnL w="19050" cap="flat" cmpd="sng" algn="ctr">
-                      <a:solidFill>
-                        <a:schemeClr val="tx1"/>
-                      </a:solidFill>
-                      <a:prstDash val="solid"/>
-                      <a:round/>
-                      <a:headEnd type="none" w="med" len="med"/>
-                      <a:tailEnd type="none" w="med" len="med"/>
-                    </a:lnL>
-                    <a:lnR w="19050" cap="flat" cmpd="sng" algn="ctr">
-                      <a:solidFill>
-                        <a:schemeClr val="tx1"/>
-                      </a:solidFill>
-                      <a:prstDash val="solid"/>
-                      <a:round/>
-                      <a:headEnd type="none" w="med" len="med"/>
-                      <a:tailEnd type="none" w="med" len="med"/>
-                    </a:lnR>
-                    <a:lnT w="19050" cap="flat" cmpd="sng" algn="ctr">
-                      <a:solidFill>
-                        <a:schemeClr val="tx1"/>
-                      </a:solidFill>
-                      <a:prstDash val="solid"/>
-                      <a:round/>
-                      <a:headEnd type="none" w="med" len="med"/>
-                      <a:tailEnd type="none" w="med" len="med"/>
-                    </a:lnT>
-                    <a:lnB w="19050" cap="flat" cmpd="sng" algn="ctr">
-                      <a:solidFill>
-                        <a:schemeClr val="tx1"/>
-                      </a:solidFill>
-                      <a:prstDash val="solid"/>
-                      <a:round/>
-                      <a:headEnd type="none" w="med" len="med"/>
-                      <a:tailEnd type="none" w="med" len="med"/>
-                    </a:lnB>
-                  </a:tcPr>
-                </a:tc>
-                <a:tc>
-                  <a:txBody>
-                    <a:bodyPr/>
-                    <a:lstStyle/>
-                    <a:p>
-                      <a:pPr algn="l"/>
-                      <a:r>
-                        <a:rPr lang="fi-FI" sz="1500" b="1" dirty="0" err="1" smtClean="0">
-                          <a:latin typeface="Arial" panose="020B0604020202020204" pitchFamily="34" charset="0"/>
-                          <a:cs typeface="Arial" panose="020B0604020202020204" pitchFamily="34" charset="0"/>
-                        </a:rPr>
-                        <a:t>Pfam</a:t>
-                      </a:r>
-                      <a:endParaRPr lang="fi-FI" sz="1500" b="1" dirty="0">
-                        <a:latin typeface="Arial" panose="020B0604020202020204" pitchFamily="34" charset="0"/>
-                        <a:cs typeface="Arial" panose="020B0604020202020204" pitchFamily="34" charset="0"/>
-                      </a:endParaRPr>
-                    </a:p>
-                  </a:txBody>
-                  <a:tcPr anchor="ctr">
-                    <a:lnL w="19050" cap="flat" cmpd="sng" algn="ctr">
-                      <a:solidFill>
-                        <a:schemeClr val="tx1"/>
-                      </a:solidFill>
-                      <a:prstDash val="solid"/>
-                      <a:round/>
-                      <a:headEnd type="none" w="med" len="med"/>
-                      <a:tailEnd type="none" w="med" len="med"/>
-                    </a:lnL>
-                    <a:lnR w="19050" cap="flat" cmpd="sng" algn="ctr">
-                      <a:solidFill>
-                        <a:schemeClr val="tx1"/>
-                      </a:solidFill>
-                      <a:prstDash val="solid"/>
-                      <a:round/>
-                      <a:headEnd type="none" w="med" len="med"/>
-                      <a:tailEnd type="none" w="med" len="med"/>
-                    </a:lnR>
-                    <a:lnT w="19050" cap="flat" cmpd="sng" algn="ctr">
-                      <a:solidFill>
-                        <a:schemeClr val="tx1"/>
-                      </a:solidFill>
-                      <a:prstDash val="solid"/>
-                      <a:round/>
-                      <a:headEnd type="none" w="med" len="med"/>
-                      <a:tailEnd type="none" w="med" len="med"/>
-                    </a:lnT>
-                    <a:lnB w="19050" cap="flat" cmpd="sng" algn="ctr">
-                      <a:solidFill>
-                        <a:schemeClr val="tx1"/>
-                      </a:solidFill>
-                      <a:prstDash val="solid"/>
-                      <a:round/>
-                      <a:headEnd type="none" w="med" len="med"/>
-                      <a:tailEnd type="none" w="med" len="med"/>
-                    </a:lnB>
-                  </a:tcPr>
-                </a:tc>
-                <a:tc>
-                  <a:txBody>
-                    <a:bodyPr/>
-                    <a:lstStyle/>
-                    <a:p>
-                      <a:pPr algn="l"/>
-                      <a:r>
-                        <a:rPr lang="fi-FI" sz="1500" b="1" dirty="0" err="1" smtClean="0">
-                          <a:latin typeface="Arial" panose="020B0604020202020204" pitchFamily="34" charset="0"/>
-                          <a:cs typeface="Arial" panose="020B0604020202020204" pitchFamily="34" charset="0"/>
-                        </a:rPr>
-                        <a:t>Scop</a:t>
-                      </a:r>
-                      <a:r>
-                        <a:rPr lang="fi-FI" sz="1500" b="1" baseline="0" dirty="0" smtClean="0">
-                          <a:latin typeface="Arial" panose="020B0604020202020204" pitchFamily="34" charset="0"/>
-                          <a:cs typeface="Arial" panose="020B0604020202020204" pitchFamily="34" charset="0"/>
-                        </a:rPr>
-                        <a:t> ID</a:t>
-                      </a:r>
-                      <a:endParaRPr lang="fi-FI" sz="1500" b="1" dirty="0">
-                        <a:latin typeface="Arial" panose="020B0604020202020204" pitchFamily="34" charset="0"/>
-                        <a:cs typeface="Arial" panose="020B0604020202020204" pitchFamily="34" charset="0"/>
-                      </a:endParaRPr>
-                    </a:p>
-                  </a:txBody>
-                  <a:tcPr anchor="ctr">
-                    <a:lnL w="19050" cap="flat" cmpd="sng" algn="ctr">
-                      <a:solidFill>
-                        <a:schemeClr val="tx1"/>
-                      </a:solidFill>
-                      <a:prstDash val="solid"/>
-                      <a:round/>
-                      <a:headEnd type="none" w="med" len="med"/>
-                      <a:tailEnd type="none" w="med" len="med"/>
-                    </a:lnL>
-                    <a:lnR w="19050" cap="flat" cmpd="sng" algn="ctr">
-                      <a:solidFill>
-                        <a:schemeClr val="tx1"/>
-                      </a:solidFill>
-                      <a:prstDash val="solid"/>
-                      <a:round/>
-                      <a:headEnd type="none" w="med" len="med"/>
-                      <a:tailEnd type="none" w="med" len="med"/>
-                    </a:lnR>
-                    <a:lnT w="19050" cap="flat" cmpd="sng" algn="ctr">
-                      <a:solidFill>
-                        <a:schemeClr val="tx1"/>
-                      </a:solidFill>
-                      <a:prstDash val="solid"/>
-                      <a:round/>
-                      <a:headEnd type="none" w="med" len="med"/>
-                      <a:tailEnd type="none" w="med" len="med"/>
-                    </a:lnT>
-                    <a:lnB w="19050" cap="flat" cmpd="sng" algn="ctr">
-                      <a:solidFill>
-                        <a:schemeClr val="tx1"/>
-                      </a:solidFill>
-                      <a:prstDash val="solid"/>
-                      <a:round/>
-                      <a:headEnd type="none" w="med" len="med"/>
-                      <a:tailEnd type="none" w="med" len="med"/>
-                    </a:lnB>
-                  </a:tcPr>
-                </a:tc>
-                <a:extLst>
-                  <a:ext uri="{0D108BD9-81ED-4DB2-BD59-A6C34878D82A}">
-                    <a16:rowId xmlns:a16="http://schemas.microsoft.com/office/drawing/2014/main" val="3006827517"/>
-                  </a:ext>
-                </a:extLst>
-              </a:tr>
-              <a:tr h="453044">
-                <a:tc>
-                  <a:txBody>
-                    <a:bodyPr/>
-                    <a:lstStyle/>
-                    <a:p>
-                      <a:pPr algn="l"/>
-                      <a:r>
-                        <a:rPr lang="fi-FI" sz="1400" b="1" dirty="0" err="1" smtClean="0">
-                          <a:solidFill>
-                            <a:srgbClr val="FF0000"/>
-                          </a:solidFill>
-                          <a:latin typeface="Arial" panose="020B0604020202020204" pitchFamily="34" charset="0"/>
-                          <a:cs typeface="Arial" panose="020B0604020202020204" pitchFamily="34" charset="0"/>
-                        </a:rPr>
-                        <a:t>Bacterioferirtin</a:t>
-                      </a:r>
-                      <a:endParaRPr lang="fi-FI" sz="1400" b="1" dirty="0">
-                        <a:solidFill>
-                          <a:srgbClr val="FF0000"/>
-                        </a:solidFill>
-                        <a:latin typeface="Arial" panose="020B0604020202020204" pitchFamily="34" charset="0"/>
-                        <a:cs typeface="Arial" panose="020B0604020202020204" pitchFamily="34" charset="0"/>
-                      </a:endParaRPr>
-                    </a:p>
-                  </a:txBody>
-                  <a:tcPr anchor="ctr">
-                    <a:lnL w="19050" cap="flat" cmpd="sng" algn="ctr">
-                      <a:solidFill>
-                        <a:schemeClr val="tx1"/>
-                      </a:solidFill>
-                      <a:prstDash val="solid"/>
-                      <a:round/>
-                      <a:headEnd type="none" w="med" len="med"/>
-                      <a:tailEnd type="none" w="med" len="med"/>
-                    </a:lnL>
-                    <a:lnR w="19050" cap="flat" cmpd="sng" algn="ctr">
-                      <a:solidFill>
-                        <a:schemeClr val="tx1"/>
-                      </a:solidFill>
-                      <a:prstDash val="solid"/>
-                      <a:round/>
-                      <a:headEnd type="none" w="med" len="med"/>
-                      <a:tailEnd type="none" w="med" len="med"/>
-                    </a:lnR>
-                    <a:lnT w="19050" cap="flat" cmpd="sng" algn="ctr">
-                      <a:solidFill>
-                        <a:schemeClr val="tx1"/>
-                      </a:solidFill>
-                      <a:prstDash val="solid"/>
-                      <a:round/>
-                      <a:headEnd type="none" w="med" len="med"/>
-                      <a:tailEnd type="none" w="med" len="med"/>
-                    </a:lnT>
-                    <a:lnB w="19050" cap="flat" cmpd="sng" algn="ctr">
-                      <a:solidFill>
-                        <a:schemeClr val="tx1"/>
-                      </a:solidFill>
-                      <a:prstDash val="solid"/>
-                      <a:round/>
-                      <a:headEnd type="none" w="med" len="med"/>
-                      <a:tailEnd type="none" w="med" len="med"/>
-                    </a:lnB>
-                  </a:tcPr>
-                </a:tc>
-                <a:tc rowSpan="3">
-                  <a:txBody>
-                    <a:bodyPr/>
-                    <a:lstStyle/>
-                    <a:p>
-                      <a:pPr algn="l"/>
-                      <a:r>
-                        <a:rPr lang="fi-FI" sz="1200" b="1" dirty="0" smtClean="0">
-                          <a:solidFill>
-                            <a:schemeClr val="tx1"/>
-                          </a:solidFill>
-                          <a:latin typeface="Arial" panose="020B0604020202020204" pitchFamily="34" charset="0"/>
-                          <a:cs typeface="Arial" panose="020B0604020202020204" pitchFamily="34" charset="0"/>
-                        </a:rPr>
-                        <a:t>00210</a:t>
-                      </a:r>
-                      <a:endParaRPr lang="fi-FI" sz="1200" b="1" baseline="0" dirty="0" smtClean="0">
-                        <a:solidFill>
-                          <a:schemeClr val="tx1"/>
-                        </a:solidFill>
-                        <a:latin typeface="Arial" panose="020B0604020202020204" pitchFamily="34" charset="0"/>
-                        <a:cs typeface="Arial" panose="020B0604020202020204" pitchFamily="34" charset="0"/>
-                      </a:endParaRPr>
-                    </a:p>
-                    <a:p>
-                      <a:pPr algn="l"/>
-                      <a:r>
-                        <a:rPr lang="fi-FI" sz="1200" b="1" baseline="0" dirty="0" err="1" smtClean="0">
-                          <a:solidFill>
-                            <a:schemeClr val="tx1"/>
-                          </a:solidFill>
-                          <a:latin typeface="Arial" panose="020B0604020202020204" pitchFamily="34" charset="0"/>
-                          <a:cs typeface="Arial" panose="020B0604020202020204" pitchFamily="34" charset="0"/>
-                        </a:rPr>
-                        <a:t>Ferritin</a:t>
-                      </a:r>
-                      <a:endParaRPr lang="fi-FI" sz="1200" b="1" dirty="0">
-                        <a:solidFill>
-                          <a:schemeClr val="tx1"/>
-                        </a:solidFill>
-                        <a:latin typeface="Arial" panose="020B0604020202020204" pitchFamily="34" charset="0"/>
-                        <a:cs typeface="Arial" panose="020B0604020202020204" pitchFamily="34" charset="0"/>
-                      </a:endParaRPr>
-                    </a:p>
-                  </a:txBody>
-                  <a:tcPr anchor="ctr">
-                    <a:lnL w="19050" cap="flat" cmpd="sng" algn="ctr">
-                      <a:solidFill>
-                        <a:schemeClr val="tx1"/>
-                      </a:solidFill>
-                      <a:prstDash val="solid"/>
-                      <a:round/>
-                      <a:headEnd type="none" w="med" len="med"/>
-                      <a:tailEnd type="none" w="med" len="med"/>
-                    </a:lnL>
-                    <a:lnR w="19050" cap="flat" cmpd="sng" algn="ctr">
-                      <a:solidFill>
-                        <a:schemeClr val="tx1"/>
-                      </a:solidFill>
-                      <a:prstDash val="solid"/>
-                      <a:round/>
-                      <a:headEnd type="none" w="med" len="med"/>
-                      <a:tailEnd type="none" w="med" len="med"/>
-                    </a:lnR>
-                    <a:lnT w="19050" cap="flat" cmpd="sng" algn="ctr">
-                      <a:solidFill>
-                        <a:schemeClr val="tx1"/>
-                      </a:solidFill>
-                      <a:prstDash val="solid"/>
-                      <a:round/>
-                      <a:headEnd type="none" w="med" len="med"/>
-                      <a:tailEnd type="none" w="med" len="med"/>
-                    </a:lnT>
-                    <a:lnB w="19050" cap="flat" cmpd="sng" algn="ctr">
-                      <a:solidFill>
-                        <a:schemeClr val="tx1"/>
-                      </a:solidFill>
-                      <a:prstDash val="solid"/>
-                      <a:round/>
-                      <a:headEnd type="none" w="med" len="med"/>
-                      <a:tailEnd type="none" w="med" len="med"/>
-                    </a:lnB>
-                  </a:tcPr>
-                </a:tc>
-                <a:tc rowSpan="5">
-                  <a:txBody>
-                    <a:bodyPr/>
-                    <a:lstStyle/>
-                    <a:p>
-                      <a:pPr algn="l"/>
-                      <a:r>
-                        <a:rPr lang="fi-FI" sz="1800" b="1" dirty="0" smtClean="0">
-                          <a:solidFill>
-                            <a:schemeClr val="tx1"/>
-                          </a:solidFill>
-                          <a:latin typeface="Arial" panose="020B0604020202020204" pitchFamily="34" charset="0"/>
-                          <a:cs typeface="Arial" panose="020B0604020202020204" pitchFamily="34" charset="0"/>
-                        </a:rPr>
-                        <a:t>a.25.1.1</a:t>
-                      </a:r>
-                    </a:p>
-                    <a:p>
-                      <a:pPr marL="0" marR="0" lvl="0" indent="0" algn="l" defTabSz="914400" rtl="0" eaLnBrk="1" fontAlgn="auto" latinLnBrk="0" hangingPunct="1">
-                        <a:lnSpc>
-                          <a:spcPct val="100000"/>
-                        </a:lnSpc>
-                        <a:spcBef>
-                          <a:spcPts val="0"/>
-                        </a:spcBef>
-                        <a:spcAft>
-                          <a:spcPts val="0"/>
-                        </a:spcAft>
-                        <a:buClrTx/>
-                        <a:buSzTx/>
-                        <a:buFontTx/>
-                        <a:buNone/>
-                        <a:tabLst/>
-                        <a:defRPr/>
-                      </a:pPr>
-                      <a:r>
-                        <a:rPr lang="en-US" sz="1500" b="1" dirty="0" smtClean="0">
-                          <a:solidFill>
-                            <a:srgbClr val="000000"/>
-                          </a:solidFill>
-                          <a:latin typeface="Arial" panose="020B0604020202020204" pitchFamily="34" charset="0"/>
-                          <a:ea typeface="+mn-ea"/>
-                          <a:cs typeface="Arial" panose="020B0604020202020204" pitchFamily="34" charset="0"/>
-                        </a:rPr>
-                        <a:t>Ferritins</a:t>
-                      </a:r>
-                      <a:endParaRPr lang="fi-FI" sz="1500" dirty="0" smtClean="0">
-                        <a:latin typeface="Arial" panose="020B0604020202020204" pitchFamily="34" charset="0"/>
-                        <a:ea typeface="Calibri" panose="020F0502020204030204" pitchFamily="34" charset="0"/>
-                        <a:cs typeface="Arial" panose="020B0604020202020204" pitchFamily="34" charset="0"/>
-                      </a:endParaRPr>
-                    </a:p>
-                    <a:p>
-                      <a:pPr algn="l"/>
-                      <a:endParaRPr lang="fi-FI" sz="1800" b="1" dirty="0">
-                        <a:solidFill>
-                          <a:schemeClr val="tx1"/>
-                        </a:solidFill>
-                        <a:latin typeface="Arial" panose="020B0604020202020204" pitchFamily="34" charset="0"/>
-                        <a:cs typeface="Arial" panose="020B0604020202020204" pitchFamily="34" charset="0"/>
-                      </a:endParaRPr>
-                    </a:p>
-                  </a:txBody>
-                  <a:tcPr anchor="ctr">
-                    <a:lnL w="19050" cap="flat" cmpd="sng" algn="ctr">
-                      <a:solidFill>
-                        <a:schemeClr val="tx1"/>
-                      </a:solidFill>
-                      <a:prstDash val="solid"/>
-                      <a:round/>
-                      <a:headEnd type="none" w="med" len="med"/>
-                      <a:tailEnd type="none" w="med" len="med"/>
-                    </a:lnL>
-                    <a:lnR w="19050" cap="flat" cmpd="sng" algn="ctr">
-                      <a:solidFill>
-                        <a:schemeClr val="tx1"/>
-                      </a:solidFill>
-                      <a:prstDash val="solid"/>
-                      <a:round/>
-                      <a:headEnd type="none" w="med" len="med"/>
-                      <a:tailEnd type="none" w="med" len="med"/>
-                    </a:lnR>
-                    <a:lnT w="19050" cap="flat" cmpd="sng" algn="ctr">
-                      <a:solidFill>
-                        <a:schemeClr val="tx1"/>
-                      </a:solidFill>
-                      <a:prstDash val="solid"/>
-                      <a:round/>
-                      <a:headEnd type="none" w="med" len="med"/>
-                      <a:tailEnd type="none" w="med" len="med"/>
-                    </a:lnT>
-                    <a:lnB w="19050" cap="flat" cmpd="sng" algn="ctr">
-                      <a:solidFill>
-                        <a:schemeClr val="tx1"/>
-                      </a:solidFill>
-                      <a:prstDash val="solid"/>
-                      <a:round/>
-                      <a:headEnd type="none" w="med" len="med"/>
-                      <a:tailEnd type="none" w="med" len="med"/>
-                    </a:lnB>
-                  </a:tcPr>
-                </a:tc>
-                <a:extLst>
-                  <a:ext uri="{0D108BD9-81ED-4DB2-BD59-A6C34878D82A}">
-                    <a16:rowId xmlns:a16="http://schemas.microsoft.com/office/drawing/2014/main" val="3489370006"/>
-                  </a:ext>
-                </a:extLst>
-              </a:tr>
-              <a:tr h="308592">
-                <a:tc>
-                  <a:txBody>
-                    <a:bodyPr/>
-                    <a:lstStyle/>
-                    <a:p>
-                      <a:pPr algn="l"/>
-                      <a:r>
-                        <a:rPr lang="fi-FI" sz="1400" b="1" dirty="0" err="1" smtClean="0">
-                          <a:solidFill>
-                            <a:srgbClr val="35D581"/>
-                          </a:solidFill>
-                          <a:latin typeface="Arial" panose="020B0604020202020204" pitchFamily="34" charset="0"/>
-                          <a:cs typeface="Arial" panose="020B0604020202020204" pitchFamily="34" charset="0"/>
-                        </a:rPr>
-                        <a:t>Dps</a:t>
-                      </a:r>
-                      <a:endParaRPr lang="fi-FI" sz="1400" b="1" dirty="0">
-                        <a:solidFill>
-                          <a:srgbClr val="35D581"/>
-                        </a:solidFill>
-                        <a:latin typeface="Arial" panose="020B0604020202020204" pitchFamily="34" charset="0"/>
-                        <a:cs typeface="Arial" panose="020B0604020202020204" pitchFamily="34" charset="0"/>
-                      </a:endParaRPr>
-                    </a:p>
-                  </a:txBody>
-                  <a:tcPr anchor="ctr">
-                    <a:lnL w="19050" cap="flat" cmpd="sng" algn="ctr">
-                      <a:solidFill>
-                        <a:schemeClr val="tx1"/>
-                      </a:solidFill>
-                      <a:prstDash val="solid"/>
-                      <a:round/>
-                      <a:headEnd type="none" w="med" len="med"/>
-                      <a:tailEnd type="none" w="med" len="med"/>
-                    </a:lnL>
-                    <a:lnR w="19050" cap="flat" cmpd="sng" algn="ctr">
-                      <a:solidFill>
-                        <a:schemeClr val="tx1"/>
-                      </a:solidFill>
-                      <a:prstDash val="solid"/>
-                      <a:round/>
-                      <a:headEnd type="none" w="med" len="med"/>
-                      <a:tailEnd type="none" w="med" len="med"/>
-                    </a:lnR>
-                    <a:lnT w="19050" cap="flat" cmpd="sng" algn="ctr">
-                      <a:solidFill>
-                        <a:schemeClr val="tx1"/>
-                      </a:solidFill>
-                      <a:prstDash val="solid"/>
-                      <a:round/>
-                      <a:headEnd type="none" w="med" len="med"/>
-                      <a:tailEnd type="none" w="med" len="med"/>
-                    </a:lnT>
-                    <a:lnB w="19050" cap="flat" cmpd="sng" algn="ctr">
-                      <a:solidFill>
-                        <a:schemeClr val="tx1"/>
-                      </a:solidFill>
-                      <a:prstDash val="solid"/>
-                      <a:round/>
-                      <a:headEnd type="none" w="med" len="med"/>
-                      <a:tailEnd type="none" w="med" len="med"/>
-                    </a:lnB>
-                  </a:tcPr>
-                </a:tc>
-                <a:tc vMerge="1">
-                  <a:txBody>
-                    <a:bodyPr/>
-                    <a:lstStyle/>
-                    <a:p>
-                      <a:pPr marL="0" marR="0" lvl="0" indent="0" algn="ctr" defTabSz="914400" rtl="0" eaLnBrk="1" fontAlgn="auto" latinLnBrk="0" hangingPunct="1">
-                        <a:lnSpc>
-                          <a:spcPct val="100000"/>
-                        </a:lnSpc>
-                        <a:spcBef>
-                          <a:spcPts val="0"/>
-                        </a:spcBef>
-                        <a:spcAft>
-                          <a:spcPts val="0"/>
-                        </a:spcAft>
-                        <a:buClrTx/>
-                        <a:buSzTx/>
-                        <a:buFontTx/>
-                        <a:buNone/>
-                        <a:tabLst/>
-                        <a:defRPr/>
-                      </a:pPr>
-                      <a:endParaRPr lang="fi-FI" sz="1000" dirty="0" smtClean="0">
-                        <a:solidFill>
-                          <a:schemeClr val="tx1"/>
-                        </a:solidFill>
-                      </a:endParaRPr>
-                    </a:p>
-                  </a:txBody>
-                  <a:tcPr anchor="ctr">
-                    <a:lnL w="19050" cap="flat" cmpd="sng" algn="ctr">
-                      <a:solidFill>
-                        <a:schemeClr val="tx1"/>
-                      </a:solidFill>
-                      <a:prstDash val="solid"/>
-                      <a:round/>
-                      <a:headEnd type="none" w="med" len="med"/>
-                      <a:tailEnd type="none" w="med" len="med"/>
-                    </a:lnL>
-                    <a:lnR w="19050" cap="flat" cmpd="sng" algn="ctr">
-                      <a:solidFill>
-                        <a:schemeClr val="tx1"/>
-                      </a:solidFill>
-                      <a:prstDash val="solid"/>
-                      <a:round/>
-                      <a:headEnd type="none" w="med" len="med"/>
-                      <a:tailEnd type="none" w="med" len="med"/>
-                    </a:lnR>
-                    <a:lnT w="19050" cap="flat" cmpd="sng" algn="ctr">
-                      <a:solidFill>
-                        <a:schemeClr val="tx1"/>
-                      </a:solidFill>
-                      <a:prstDash val="solid"/>
-                      <a:round/>
-                      <a:headEnd type="none" w="med" len="med"/>
-                      <a:tailEnd type="none" w="med" len="med"/>
-                    </a:lnT>
-                    <a:lnB w="19050" cap="flat" cmpd="sng" algn="ctr">
-                      <a:solidFill>
-                        <a:schemeClr val="tx1"/>
-                      </a:solidFill>
-                      <a:prstDash val="solid"/>
-                      <a:round/>
-                      <a:headEnd type="none" w="med" len="med"/>
-                      <a:tailEnd type="none" w="med" len="med"/>
-                    </a:lnB>
-                  </a:tcPr>
-                </a:tc>
-                <a:tc vMerge="1">
-                  <a:txBody>
-                    <a:bodyPr/>
-                    <a:lstStyle/>
-                    <a:p>
-                      <a:pPr marL="0" marR="0" lvl="0" indent="0" algn="ctr" defTabSz="914400" rtl="0" eaLnBrk="1" fontAlgn="auto" latinLnBrk="0" hangingPunct="1">
-                        <a:lnSpc>
-                          <a:spcPct val="100000"/>
-                        </a:lnSpc>
-                        <a:spcBef>
-                          <a:spcPts val="0"/>
-                        </a:spcBef>
-                        <a:spcAft>
-                          <a:spcPts val="0"/>
-                        </a:spcAft>
-                        <a:buClrTx/>
-                        <a:buSzTx/>
-                        <a:buFontTx/>
-                        <a:buNone/>
-                        <a:tabLst/>
-                        <a:defRPr/>
-                      </a:pPr>
-                      <a:endParaRPr lang="fi-FI" sz="1000" dirty="0" smtClean="0">
-                        <a:solidFill>
-                          <a:schemeClr val="tx1"/>
-                        </a:solidFill>
-                      </a:endParaRPr>
-                    </a:p>
-                  </a:txBody>
-                  <a:tcPr anchor="ctr">
-                    <a:lnL w="12700" cap="flat" cmpd="sng" algn="ctr">
-                      <a:solidFill>
-                        <a:schemeClr val="bg1">
-                          <a:lumMod val="75000"/>
-                        </a:schemeClr>
-                      </a:solidFill>
-                      <a:prstDash val="solid"/>
-                      <a:round/>
-                      <a:headEnd type="none" w="med" len="med"/>
-                      <a:tailEnd type="none" w="med" len="med"/>
-                    </a:lnL>
-                    <a:lnR w="12700" cap="flat" cmpd="sng" algn="ctr">
-                      <a:solidFill>
-                        <a:schemeClr val="bg1">
-                          <a:lumMod val="75000"/>
-                        </a:schemeClr>
-                      </a:solidFill>
-                      <a:prstDash val="solid"/>
-                      <a:round/>
-                      <a:headEnd type="none" w="med" len="med"/>
-                      <a:tailEnd type="none" w="med" len="med"/>
-                    </a:lnR>
-                    <a:lnT w="12700" cap="flat" cmpd="sng" algn="ctr">
-                      <a:solidFill>
-                        <a:schemeClr val="bg1">
-                          <a:lumMod val="75000"/>
-                        </a:schemeClr>
-                      </a:solidFill>
-                      <a:prstDash val="solid"/>
-                      <a:round/>
-                      <a:headEnd type="none" w="med" len="med"/>
-                      <a:tailEnd type="none" w="med" len="med"/>
-                    </a:lnT>
-                    <a:lnB w="12700" cap="flat" cmpd="sng" algn="ctr">
-                      <a:solidFill>
-                        <a:schemeClr val="bg1">
-                          <a:lumMod val="75000"/>
-                        </a:schemeClr>
-                      </a:solidFill>
-                      <a:prstDash val="solid"/>
-                      <a:round/>
-                      <a:headEnd type="none" w="med" len="med"/>
-                      <a:tailEnd type="none" w="med" len="med"/>
-                    </a:lnB>
-                  </a:tcPr>
-                </a:tc>
-                <a:extLst>
-                  <a:ext uri="{0D108BD9-81ED-4DB2-BD59-A6C34878D82A}">
-                    <a16:rowId xmlns:a16="http://schemas.microsoft.com/office/drawing/2014/main" val="3534345082"/>
-                  </a:ext>
-                </a:extLst>
-              </a:tr>
-              <a:tr h="308592">
-                <a:tc>
-                  <a:txBody>
-                    <a:bodyPr/>
-                    <a:lstStyle/>
-                    <a:p>
-                      <a:pPr algn="l"/>
-                      <a:r>
-                        <a:rPr lang="fi-FI" sz="1400" b="1" dirty="0" err="1" smtClean="0">
-                          <a:solidFill>
-                            <a:srgbClr val="2F2FFF"/>
-                          </a:solidFill>
-                          <a:latin typeface="Arial" panose="020B0604020202020204" pitchFamily="34" charset="0"/>
-                          <a:cs typeface="Arial" panose="020B0604020202020204" pitchFamily="34" charset="0"/>
-                        </a:rPr>
-                        <a:t>Ferritin</a:t>
-                      </a:r>
-                      <a:endParaRPr lang="fi-FI" sz="1400" b="1" dirty="0">
-                        <a:solidFill>
-                          <a:srgbClr val="2F2FFF"/>
-                        </a:solidFill>
-                        <a:latin typeface="Arial" panose="020B0604020202020204" pitchFamily="34" charset="0"/>
-                        <a:cs typeface="Arial" panose="020B0604020202020204" pitchFamily="34" charset="0"/>
-                      </a:endParaRPr>
-                    </a:p>
-                  </a:txBody>
-                  <a:tcPr anchor="ctr">
-                    <a:lnL w="19050" cap="flat" cmpd="sng" algn="ctr">
-                      <a:solidFill>
-                        <a:schemeClr val="tx1"/>
-                      </a:solidFill>
-                      <a:prstDash val="solid"/>
-                      <a:round/>
-                      <a:headEnd type="none" w="med" len="med"/>
-                      <a:tailEnd type="none" w="med" len="med"/>
-                    </a:lnL>
-                    <a:lnR w="19050" cap="flat" cmpd="sng" algn="ctr">
-                      <a:solidFill>
-                        <a:schemeClr val="tx1"/>
-                      </a:solidFill>
-                      <a:prstDash val="solid"/>
-                      <a:round/>
-                      <a:headEnd type="none" w="med" len="med"/>
-                      <a:tailEnd type="none" w="med" len="med"/>
-                    </a:lnR>
-                    <a:lnT w="19050" cap="flat" cmpd="sng" algn="ctr">
-                      <a:solidFill>
-                        <a:schemeClr val="tx1"/>
-                      </a:solidFill>
-                      <a:prstDash val="solid"/>
-                      <a:round/>
-                      <a:headEnd type="none" w="med" len="med"/>
-                      <a:tailEnd type="none" w="med" len="med"/>
-                    </a:lnT>
-                    <a:lnB w="19050" cap="flat" cmpd="sng" algn="ctr">
-                      <a:solidFill>
-                        <a:schemeClr val="tx1"/>
-                      </a:solidFill>
-                      <a:prstDash val="solid"/>
-                      <a:round/>
-                      <a:headEnd type="none" w="med" len="med"/>
-                      <a:tailEnd type="none" w="med" len="med"/>
-                    </a:lnB>
-                  </a:tcPr>
-                </a:tc>
-                <a:tc vMerge="1">
-                  <a:txBody>
-                    <a:bodyPr/>
-                    <a:lstStyle/>
-                    <a:p>
-                      <a:pPr marL="0" marR="0" lvl="0" indent="0" algn="ctr" defTabSz="914400" rtl="0" eaLnBrk="1" fontAlgn="auto" latinLnBrk="0" hangingPunct="1">
-                        <a:lnSpc>
-                          <a:spcPct val="100000"/>
-                        </a:lnSpc>
-                        <a:spcBef>
-                          <a:spcPts val="0"/>
-                        </a:spcBef>
-                        <a:spcAft>
-                          <a:spcPts val="0"/>
-                        </a:spcAft>
-                        <a:buClrTx/>
-                        <a:buSzTx/>
-                        <a:buFontTx/>
-                        <a:buNone/>
-                        <a:tabLst/>
-                        <a:defRPr/>
-                      </a:pPr>
-                      <a:endParaRPr lang="fi-FI" sz="1000" dirty="0" smtClean="0">
-                        <a:solidFill>
-                          <a:schemeClr val="tx1"/>
-                        </a:solidFill>
-                      </a:endParaRPr>
-                    </a:p>
-                  </a:txBody>
-                  <a:tcPr anchor="ctr">
-                    <a:lnL w="19050" cap="flat" cmpd="sng" algn="ctr">
-                      <a:solidFill>
-                        <a:schemeClr val="tx1"/>
-                      </a:solidFill>
-                      <a:prstDash val="solid"/>
-                      <a:round/>
-                      <a:headEnd type="none" w="med" len="med"/>
-                      <a:tailEnd type="none" w="med" len="med"/>
-                    </a:lnL>
-                    <a:lnR w="19050" cap="flat" cmpd="sng" algn="ctr">
-                      <a:solidFill>
-                        <a:schemeClr val="tx1"/>
-                      </a:solidFill>
-                      <a:prstDash val="solid"/>
-                      <a:round/>
-                      <a:headEnd type="none" w="med" len="med"/>
-                      <a:tailEnd type="none" w="med" len="med"/>
-                    </a:lnR>
-                    <a:lnT w="19050" cap="flat" cmpd="sng" algn="ctr">
-                      <a:solidFill>
-                        <a:schemeClr val="tx1"/>
-                      </a:solidFill>
-                      <a:prstDash val="solid"/>
-                      <a:round/>
-                      <a:headEnd type="none" w="med" len="med"/>
-                      <a:tailEnd type="none" w="med" len="med"/>
-                    </a:lnT>
-                    <a:lnB w="19050" cap="flat" cmpd="sng" algn="ctr">
-                      <a:solidFill>
-                        <a:schemeClr val="tx1"/>
-                      </a:solidFill>
-                      <a:prstDash val="solid"/>
-                      <a:round/>
-                      <a:headEnd type="none" w="med" len="med"/>
-                      <a:tailEnd type="none" w="med" len="med"/>
-                    </a:lnB>
-                  </a:tcPr>
-                </a:tc>
-                <a:tc vMerge="1">
-                  <a:txBody>
-                    <a:bodyPr/>
-                    <a:lstStyle/>
-                    <a:p>
-                      <a:pPr marL="0" marR="0" lvl="0" indent="0" algn="ctr" defTabSz="914400" rtl="0" eaLnBrk="1" fontAlgn="auto" latinLnBrk="0" hangingPunct="1">
-                        <a:lnSpc>
-                          <a:spcPct val="100000"/>
-                        </a:lnSpc>
-                        <a:spcBef>
-                          <a:spcPts val="0"/>
-                        </a:spcBef>
-                        <a:spcAft>
-                          <a:spcPts val="0"/>
-                        </a:spcAft>
-                        <a:buClrTx/>
-                        <a:buSzTx/>
-                        <a:buFontTx/>
-                        <a:buNone/>
-                        <a:tabLst/>
-                        <a:defRPr/>
-                      </a:pPr>
-                      <a:endParaRPr lang="fi-FI" sz="1000" dirty="0" smtClean="0">
-                        <a:solidFill>
-                          <a:schemeClr val="tx1"/>
-                        </a:solidFill>
-                      </a:endParaRPr>
-                    </a:p>
-                  </a:txBody>
-                  <a:tcPr anchor="ctr">
-                    <a:lnL w="12700" cap="flat" cmpd="sng" algn="ctr">
-                      <a:solidFill>
-                        <a:schemeClr val="bg1">
-                          <a:lumMod val="75000"/>
-                        </a:schemeClr>
-                      </a:solidFill>
-                      <a:prstDash val="solid"/>
-                      <a:round/>
-                      <a:headEnd type="none" w="med" len="med"/>
-                      <a:tailEnd type="none" w="med" len="med"/>
-                    </a:lnL>
-                    <a:lnR w="12700" cap="flat" cmpd="sng" algn="ctr">
-                      <a:solidFill>
-                        <a:schemeClr val="bg1">
-                          <a:lumMod val="75000"/>
-                        </a:schemeClr>
-                      </a:solidFill>
-                      <a:prstDash val="solid"/>
-                      <a:round/>
-                      <a:headEnd type="none" w="med" len="med"/>
-                      <a:tailEnd type="none" w="med" len="med"/>
-                    </a:lnR>
-                    <a:lnT w="12700" cap="flat" cmpd="sng" algn="ctr">
-                      <a:solidFill>
-                        <a:schemeClr val="bg1">
-                          <a:lumMod val="75000"/>
-                        </a:schemeClr>
-                      </a:solidFill>
-                      <a:prstDash val="solid"/>
-                      <a:round/>
-                      <a:headEnd type="none" w="med" len="med"/>
-                      <a:tailEnd type="none" w="med" len="med"/>
-                    </a:lnT>
-                    <a:lnB w="12700" cap="flat" cmpd="sng" algn="ctr">
-                      <a:solidFill>
-                        <a:schemeClr val="bg1">
-                          <a:lumMod val="75000"/>
-                        </a:schemeClr>
-                      </a:solidFill>
-                      <a:prstDash val="solid"/>
-                      <a:round/>
-                      <a:headEnd type="none" w="med" len="med"/>
-                      <a:tailEnd type="none" w="med" len="med"/>
-                    </a:lnB>
-                  </a:tcPr>
-                </a:tc>
-                <a:extLst>
-                  <a:ext uri="{0D108BD9-81ED-4DB2-BD59-A6C34878D82A}">
-                    <a16:rowId xmlns:a16="http://schemas.microsoft.com/office/drawing/2014/main" val="1483979081"/>
-                  </a:ext>
-                </a:extLst>
-              </a:tr>
-              <a:tr h="308592">
-                <a:tc>
-                  <a:txBody>
-                    <a:bodyPr/>
-                    <a:lstStyle/>
-                    <a:p>
-                      <a:pPr algn="l"/>
-                      <a:r>
-                        <a:rPr lang="fi-FI" sz="1400" b="1" dirty="0" err="1" smtClean="0">
-                          <a:solidFill>
-                            <a:srgbClr val="970097"/>
-                          </a:solidFill>
-                          <a:latin typeface="Arial" panose="020B0604020202020204" pitchFamily="34" charset="0"/>
-                          <a:cs typeface="Arial" panose="020B0604020202020204" pitchFamily="34" charset="0"/>
-                        </a:rPr>
-                        <a:t>Rubrerythrins</a:t>
-                      </a:r>
-                      <a:endParaRPr lang="fi-FI" sz="1400" b="1" dirty="0">
-                        <a:solidFill>
-                          <a:srgbClr val="970097"/>
-                        </a:solidFill>
-                        <a:latin typeface="Arial" panose="020B0604020202020204" pitchFamily="34" charset="0"/>
-                        <a:cs typeface="Arial" panose="020B0604020202020204" pitchFamily="34" charset="0"/>
-                      </a:endParaRPr>
-                    </a:p>
-                  </a:txBody>
-                  <a:tcPr anchor="ctr">
-                    <a:lnL w="19050" cap="flat" cmpd="sng" algn="ctr">
-                      <a:solidFill>
-                        <a:schemeClr val="tx1"/>
-                      </a:solidFill>
-                      <a:prstDash val="solid"/>
-                      <a:round/>
-                      <a:headEnd type="none" w="med" len="med"/>
-                      <a:tailEnd type="none" w="med" len="med"/>
-                    </a:lnL>
-                    <a:lnR w="19050" cap="flat" cmpd="sng" algn="ctr">
-                      <a:solidFill>
-                        <a:schemeClr val="tx1"/>
-                      </a:solidFill>
-                      <a:prstDash val="solid"/>
-                      <a:round/>
-                      <a:headEnd type="none" w="med" len="med"/>
-                      <a:tailEnd type="none" w="med" len="med"/>
-                    </a:lnR>
-                    <a:lnT w="19050" cap="flat" cmpd="sng" algn="ctr">
-                      <a:solidFill>
-                        <a:schemeClr val="tx1"/>
-                      </a:solidFill>
-                      <a:prstDash val="solid"/>
-                      <a:round/>
-                      <a:headEnd type="none" w="med" len="med"/>
-                      <a:tailEnd type="none" w="med" len="med"/>
-                    </a:lnT>
-                    <a:lnB w="19050" cap="flat" cmpd="sng" algn="ctr">
-                      <a:solidFill>
-                        <a:schemeClr val="tx1"/>
-                      </a:solidFill>
-                      <a:prstDash val="solid"/>
-                      <a:round/>
-                      <a:headEnd type="none" w="med" len="med"/>
-                      <a:tailEnd type="none" w="med" len="med"/>
-                    </a:lnB>
-                  </a:tcPr>
-                </a:tc>
-                <a:tc>
-                  <a:txBody>
-                    <a:bodyPr/>
-                    <a:lstStyle/>
-                    <a:p>
-                      <a:pPr algn="l"/>
-                      <a:r>
-                        <a:rPr lang="fi-FI" sz="1200" b="1" dirty="0" smtClean="0">
-                          <a:solidFill>
-                            <a:schemeClr val="tx1"/>
-                          </a:solidFill>
-                          <a:latin typeface="Arial" panose="020B0604020202020204" pitchFamily="34" charset="0"/>
-                          <a:cs typeface="Arial" panose="020B0604020202020204" pitchFamily="34" charset="0"/>
-                        </a:rPr>
-                        <a:t>02915 </a:t>
-                      </a:r>
-                      <a:r>
-                        <a:rPr lang="fi-FI" sz="1200" b="1" dirty="0" err="1" smtClean="0">
-                          <a:solidFill>
-                            <a:schemeClr val="tx1"/>
-                          </a:solidFill>
-                          <a:latin typeface="Arial" panose="020B0604020202020204" pitchFamily="34" charset="0"/>
-                          <a:cs typeface="Arial" panose="020B0604020202020204" pitchFamily="34" charset="0"/>
-                        </a:rPr>
-                        <a:t>Rubrerythrins</a:t>
-                      </a:r>
-                      <a:endParaRPr lang="fi-FI" sz="1200" b="1" dirty="0">
-                        <a:solidFill>
-                          <a:schemeClr val="tx1"/>
-                        </a:solidFill>
-                        <a:latin typeface="Arial" panose="020B0604020202020204" pitchFamily="34" charset="0"/>
-                        <a:cs typeface="Arial" panose="020B0604020202020204" pitchFamily="34" charset="0"/>
-                      </a:endParaRPr>
-                    </a:p>
-                  </a:txBody>
-                  <a:tcPr anchor="ctr">
-                    <a:lnL w="19050" cap="flat" cmpd="sng" algn="ctr">
-                      <a:solidFill>
-                        <a:schemeClr val="tx1"/>
-                      </a:solidFill>
-                      <a:prstDash val="solid"/>
-                      <a:round/>
-                      <a:headEnd type="none" w="med" len="med"/>
-                      <a:tailEnd type="none" w="med" len="med"/>
-                    </a:lnL>
-                    <a:lnR w="19050" cap="flat" cmpd="sng" algn="ctr">
-                      <a:solidFill>
-                        <a:schemeClr val="tx1"/>
-                      </a:solidFill>
-                      <a:prstDash val="solid"/>
-                      <a:round/>
-                      <a:headEnd type="none" w="med" len="med"/>
-                      <a:tailEnd type="none" w="med" len="med"/>
-                    </a:lnR>
-                    <a:lnT w="19050" cap="flat" cmpd="sng" algn="ctr">
-                      <a:solidFill>
-                        <a:schemeClr val="tx1"/>
-                      </a:solidFill>
-                      <a:prstDash val="solid"/>
-                      <a:round/>
-                      <a:headEnd type="none" w="med" len="med"/>
-                      <a:tailEnd type="none" w="med" len="med"/>
-                    </a:lnT>
-                    <a:lnB w="19050" cap="flat" cmpd="sng" algn="ctr">
-                      <a:solidFill>
-                        <a:schemeClr val="tx1"/>
-                      </a:solidFill>
-                      <a:prstDash val="solid"/>
-                      <a:round/>
-                      <a:headEnd type="none" w="med" len="med"/>
-                      <a:tailEnd type="none" w="med" len="med"/>
-                    </a:lnB>
-                  </a:tcPr>
-                </a:tc>
-                <a:tc vMerge="1">
-                  <a:txBody>
-                    <a:bodyPr/>
-                    <a:lstStyle/>
-                    <a:p>
-                      <a:pPr algn="l"/>
-                      <a:endParaRPr lang="fi-FI" sz="1050" b="1" dirty="0">
-                        <a:solidFill>
-                          <a:schemeClr val="tx1"/>
-                        </a:solidFill>
-                        <a:latin typeface="Arial" panose="020B0604020202020204" pitchFamily="34" charset="0"/>
-                        <a:cs typeface="Arial" panose="020B0604020202020204" pitchFamily="34" charset="0"/>
-                      </a:endParaRPr>
-                    </a:p>
-                  </a:txBody>
-                  <a:tcPr anchor="ctr">
-                    <a:lnL w="19050" cap="flat" cmpd="sng" algn="ctr">
-                      <a:solidFill>
-                        <a:schemeClr val="tx1"/>
-                      </a:solidFill>
-                      <a:prstDash val="solid"/>
-                      <a:round/>
-                      <a:headEnd type="none" w="med" len="med"/>
-                      <a:tailEnd type="none" w="med" len="med"/>
-                    </a:lnL>
-                    <a:lnR w="19050" cap="flat" cmpd="sng" algn="ctr">
-                      <a:solidFill>
-                        <a:schemeClr val="tx1"/>
-                      </a:solidFill>
-                      <a:prstDash val="solid"/>
-                      <a:round/>
-                      <a:headEnd type="none" w="med" len="med"/>
-                      <a:tailEnd type="none" w="med" len="med"/>
-                    </a:lnR>
-                    <a:lnT w="19050" cap="flat" cmpd="sng" algn="ctr">
-                      <a:solidFill>
-                        <a:schemeClr val="tx1"/>
-                      </a:solidFill>
-                      <a:prstDash val="solid"/>
-                      <a:round/>
-                      <a:headEnd type="none" w="med" len="med"/>
-                      <a:tailEnd type="none" w="med" len="med"/>
-                    </a:lnT>
-                    <a:lnB w="19050" cap="flat" cmpd="sng" algn="ctr">
-                      <a:solidFill>
-                        <a:schemeClr val="tx1"/>
-                      </a:solidFill>
-                      <a:prstDash val="solid"/>
-                      <a:round/>
-                      <a:headEnd type="none" w="med" len="med"/>
-                      <a:tailEnd type="none" w="med" len="med"/>
-                    </a:lnB>
-                  </a:tcPr>
-                </a:tc>
-                <a:extLst>
-                  <a:ext uri="{0D108BD9-81ED-4DB2-BD59-A6C34878D82A}">
-                    <a16:rowId xmlns:a16="http://schemas.microsoft.com/office/drawing/2014/main" val="4251470325"/>
-                  </a:ext>
-                </a:extLst>
-              </a:tr>
-              <a:tr h="308592">
-                <a:tc>
-                  <a:txBody>
-                    <a:bodyPr/>
-                    <a:lstStyle/>
-                    <a:p>
-                      <a:pPr algn="l"/>
-                      <a:r>
-                        <a:rPr lang="fi-FI" sz="1400" b="1" dirty="0" smtClean="0">
-                          <a:latin typeface="Arial" panose="020B0604020202020204" pitchFamily="34" charset="0"/>
-                          <a:cs typeface="Arial" panose="020B0604020202020204" pitchFamily="34" charset="0"/>
-                        </a:rPr>
-                        <a:t>1tokA</a:t>
-                      </a:r>
-                      <a:endParaRPr lang="fi-FI" sz="1400" b="1" dirty="0">
-                        <a:latin typeface="Arial" panose="020B0604020202020204" pitchFamily="34" charset="0"/>
-                        <a:cs typeface="Arial" panose="020B0604020202020204" pitchFamily="34" charset="0"/>
-                      </a:endParaRPr>
-                    </a:p>
-                  </a:txBody>
-                  <a:tcPr anchor="ctr">
-                    <a:lnL w="19050" cap="flat" cmpd="sng" algn="ctr">
-                      <a:solidFill>
-                        <a:schemeClr val="tx1"/>
-                      </a:solidFill>
-                      <a:prstDash val="solid"/>
-                      <a:round/>
-                      <a:headEnd type="none" w="med" len="med"/>
-                      <a:tailEnd type="none" w="med" len="med"/>
-                    </a:lnL>
-                    <a:lnR w="19050" cap="flat" cmpd="sng" algn="ctr">
-                      <a:solidFill>
-                        <a:schemeClr val="tx1"/>
-                      </a:solidFill>
-                      <a:prstDash val="solid"/>
-                      <a:round/>
-                      <a:headEnd type="none" w="med" len="med"/>
-                      <a:tailEnd type="none" w="med" len="med"/>
-                    </a:lnR>
-                    <a:lnT w="19050" cap="flat" cmpd="sng" algn="ctr">
-                      <a:solidFill>
-                        <a:schemeClr val="tx1"/>
-                      </a:solidFill>
-                      <a:prstDash val="solid"/>
-                      <a:round/>
-                      <a:headEnd type="none" w="med" len="med"/>
-                      <a:tailEnd type="none" w="med" len="med"/>
-                    </a:lnT>
-                    <a:lnB w="19050" cap="flat" cmpd="sng" algn="ctr">
-                      <a:solidFill>
-                        <a:schemeClr val="tx1"/>
-                      </a:solidFill>
-                      <a:prstDash val="solid"/>
-                      <a:round/>
-                      <a:headEnd type="none" w="med" len="med"/>
-                      <a:tailEnd type="none" w="med" len="med"/>
-                    </a:lnB>
-                  </a:tcPr>
-                </a:tc>
-                <a:tc>
-                  <a:txBody>
-                    <a:bodyPr/>
-                    <a:lstStyle/>
-                    <a:p>
-                      <a:pPr algn="l"/>
-                      <a:r>
-                        <a:rPr lang="fi-FI" sz="1200" b="1" dirty="0" smtClean="0">
-                          <a:solidFill>
-                            <a:schemeClr val="tx1"/>
-                          </a:solidFill>
-                          <a:latin typeface="Arial" panose="020B0604020202020204" pitchFamily="34" charset="0"/>
-                          <a:cs typeface="Arial" panose="020B0604020202020204" pitchFamily="34" charset="0"/>
-                        </a:rPr>
-                        <a:t>05138 </a:t>
-                      </a:r>
-                      <a:r>
-                        <a:rPr lang="fi-FI" sz="1200" b="1" dirty="0" err="1" smtClean="0">
-                          <a:solidFill>
-                            <a:schemeClr val="tx1"/>
-                          </a:solidFill>
-                          <a:latin typeface="Arial" panose="020B0604020202020204" pitchFamily="34" charset="0"/>
-                          <a:cs typeface="Arial" panose="020B0604020202020204" pitchFamily="34" charset="0"/>
-                        </a:rPr>
-                        <a:t>PaaA</a:t>
-                      </a:r>
-                      <a:r>
-                        <a:rPr lang="fi-FI" sz="1100" b="1" dirty="0" err="1" smtClean="0">
-                          <a:solidFill>
-                            <a:schemeClr val="tx1"/>
-                          </a:solidFill>
-                          <a:latin typeface="Arial" panose="020B0604020202020204" pitchFamily="34" charset="0"/>
-                          <a:cs typeface="Arial" panose="020B0604020202020204" pitchFamily="34" charset="0"/>
-                        </a:rPr>
-                        <a:t>_</a:t>
-                      </a:r>
-                      <a:r>
-                        <a:rPr lang="fi-FI" sz="1200" b="1" dirty="0" err="1" smtClean="0">
-                          <a:solidFill>
-                            <a:schemeClr val="tx1"/>
-                          </a:solidFill>
-                          <a:latin typeface="Arial" panose="020B0604020202020204" pitchFamily="34" charset="0"/>
-                          <a:cs typeface="Arial" panose="020B0604020202020204" pitchFamily="34" charset="0"/>
-                        </a:rPr>
-                        <a:t>PaaC</a:t>
-                      </a:r>
-                      <a:endParaRPr lang="fi-FI" sz="1200" b="1" dirty="0">
-                        <a:solidFill>
-                          <a:schemeClr val="tx1"/>
-                        </a:solidFill>
-                        <a:latin typeface="Arial" panose="020B0604020202020204" pitchFamily="34" charset="0"/>
-                        <a:cs typeface="Arial" panose="020B0604020202020204" pitchFamily="34" charset="0"/>
-                      </a:endParaRPr>
-                    </a:p>
-                  </a:txBody>
-                  <a:tcPr anchor="ctr">
-                    <a:lnL w="19050" cap="flat" cmpd="sng" algn="ctr">
-                      <a:solidFill>
-                        <a:schemeClr val="tx1"/>
-                      </a:solidFill>
-                      <a:prstDash val="solid"/>
-                      <a:round/>
-                      <a:headEnd type="none" w="med" len="med"/>
-                      <a:tailEnd type="none" w="med" len="med"/>
-                    </a:lnL>
-                    <a:lnR w="19050" cap="flat" cmpd="sng" algn="ctr">
-                      <a:solidFill>
-                        <a:schemeClr val="tx1"/>
-                      </a:solidFill>
-                      <a:prstDash val="solid"/>
-                      <a:round/>
-                      <a:headEnd type="none" w="med" len="med"/>
-                      <a:tailEnd type="none" w="med" len="med"/>
-                    </a:lnR>
-                    <a:lnT w="19050" cap="flat" cmpd="sng" algn="ctr">
-                      <a:solidFill>
-                        <a:schemeClr val="tx1"/>
-                      </a:solidFill>
-                      <a:prstDash val="solid"/>
-                      <a:round/>
-                      <a:headEnd type="none" w="med" len="med"/>
-                      <a:tailEnd type="none" w="med" len="med"/>
-                    </a:lnT>
-                    <a:lnB w="19050" cap="flat" cmpd="sng" algn="ctr">
-                      <a:solidFill>
-                        <a:schemeClr val="tx1"/>
-                      </a:solidFill>
-                      <a:prstDash val="solid"/>
-                      <a:round/>
-                      <a:headEnd type="none" w="med" len="med"/>
-                      <a:tailEnd type="none" w="med" len="med"/>
-                    </a:lnB>
-                  </a:tcPr>
-                </a:tc>
-                <a:tc vMerge="1">
-                  <a:txBody>
-                    <a:bodyPr/>
-                    <a:lstStyle/>
-                    <a:p>
-                      <a:pPr algn="l"/>
-                      <a:endParaRPr lang="fi-FI" sz="1050" b="1" dirty="0">
-                        <a:solidFill>
-                          <a:schemeClr val="tx1"/>
-                        </a:solidFill>
-                        <a:latin typeface="Arial" panose="020B0604020202020204" pitchFamily="34" charset="0"/>
-                        <a:cs typeface="Arial" panose="020B0604020202020204" pitchFamily="34" charset="0"/>
-                      </a:endParaRPr>
-                    </a:p>
-                  </a:txBody>
-                  <a:tcPr anchor="ctr">
-                    <a:lnL w="19050" cap="flat" cmpd="sng" algn="ctr">
-                      <a:solidFill>
-                        <a:schemeClr val="tx1"/>
-                      </a:solidFill>
-                      <a:prstDash val="solid"/>
-                      <a:round/>
-                      <a:headEnd type="none" w="med" len="med"/>
-                      <a:tailEnd type="none" w="med" len="med"/>
-                    </a:lnL>
-                    <a:lnR w="19050" cap="flat" cmpd="sng" algn="ctr">
-                      <a:solidFill>
-                        <a:schemeClr val="tx1"/>
-                      </a:solidFill>
-                      <a:prstDash val="solid"/>
-                      <a:round/>
-                      <a:headEnd type="none" w="med" len="med"/>
-                      <a:tailEnd type="none" w="med" len="med"/>
-                    </a:lnR>
-                    <a:lnT w="19050" cap="flat" cmpd="sng" algn="ctr">
-                      <a:solidFill>
-                        <a:schemeClr val="tx1"/>
-                      </a:solidFill>
-                      <a:prstDash val="solid"/>
-                      <a:round/>
-                      <a:headEnd type="none" w="med" len="med"/>
-                      <a:tailEnd type="none" w="med" len="med"/>
-                    </a:lnT>
-                    <a:lnB w="19050" cap="flat" cmpd="sng" algn="ctr">
-                      <a:solidFill>
-                        <a:schemeClr val="tx1"/>
-                      </a:solidFill>
-                      <a:prstDash val="solid"/>
-                      <a:round/>
-                      <a:headEnd type="none" w="med" len="med"/>
-                      <a:tailEnd type="none" w="med" len="med"/>
-                    </a:lnB>
-                  </a:tcPr>
-                </a:tc>
-                <a:extLst>
-                  <a:ext uri="{0D108BD9-81ED-4DB2-BD59-A6C34878D82A}">
-                    <a16:rowId xmlns:a16="http://schemas.microsoft.com/office/drawing/2014/main" val="3329368956"/>
-                  </a:ext>
-                </a:extLst>
-              </a:tr>
-              <a:tr h="308592">
-                <a:tc>
-                  <a:txBody>
-                    <a:bodyPr/>
-                    <a:lstStyle/>
-                    <a:p>
-                      <a:pPr marL="0" marR="0" lvl="0" indent="0" algn="l" defTabSz="914400" rtl="0" eaLnBrk="1" fontAlgn="auto" latinLnBrk="0" hangingPunct="1">
-                        <a:lnSpc>
-                          <a:spcPct val="100000"/>
-                        </a:lnSpc>
-                        <a:spcBef>
-                          <a:spcPts val="0"/>
-                        </a:spcBef>
-                        <a:spcAft>
-                          <a:spcPts val="0"/>
-                        </a:spcAft>
-                        <a:buClrTx/>
-                        <a:buSzTx/>
-                        <a:buFontTx/>
-                        <a:buNone/>
-                        <a:tabLst/>
-                        <a:defRPr/>
-                      </a:pPr>
-                      <a:r>
-                        <a:rPr lang="fi-FI" sz="1400" b="1" dirty="0" smtClean="0">
-                          <a:solidFill>
-                            <a:srgbClr val="FF9F00"/>
-                          </a:solidFill>
-                          <a:latin typeface="Arial" panose="020B0604020202020204" pitchFamily="34" charset="0"/>
-                          <a:cs typeface="Arial" panose="020B0604020202020204" pitchFamily="34" charset="0"/>
-                        </a:rPr>
-                        <a:t>BMM alpha</a:t>
-                      </a:r>
-                    </a:p>
-                  </a:txBody>
-                  <a:tcPr anchor="ctr">
-                    <a:lnL w="19050" cap="flat" cmpd="sng" algn="ctr">
-                      <a:solidFill>
-                        <a:schemeClr val="tx1"/>
-                      </a:solidFill>
-                      <a:prstDash val="solid"/>
-                      <a:round/>
-                      <a:headEnd type="none" w="med" len="med"/>
-                      <a:tailEnd type="none" w="med" len="med"/>
-                    </a:lnL>
-                    <a:lnR w="19050" cap="flat" cmpd="sng" algn="ctr">
-                      <a:solidFill>
-                        <a:schemeClr val="tx1"/>
-                      </a:solidFill>
-                      <a:prstDash val="solid"/>
-                      <a:round/>
-                      <a:headEnd type="none" w="med" len="med"/>
-                      <a:tailEnd type="none" w="med" len="med"/>
-                    </a:lnR>
-                    <a:lnT w="19050" cap="flat" cmpd="sng" algn="ctr">
-                      <a:solidFill>
-                        <a:schemeClr val="tx1"/>
-                      </a:solidFill>
-                      <a:prstDash val="solid"/>
-                      <a:round/>
-                      <a:headEnd type="none" w="med" len="med"/>
-                      <a:tailEnd type="none" w="med" len="med"/>
-                    </a:lnT>
-                    <a:lnB w="19050" cap="flat" cmpd="sng" algn="ctr">
-                      <a:solidFill>
-                        <a:schemeClr val="tx1"/>
-                      </a:solidFill>
-                      <a:prstDash val="solid"/>
-                      <a:round/>
-                      <a:headEnd type="none" w="med" len="med"/>
-                      <a:tailEnd type="none" w="med" len="med"/>
-                    </a:lnB>
-                  </a:tcPr>
-                </a:tc>
-                <a:tc rowSpan="2">
-                  <a:txBody>
-                    <a:bodyPr/>
-                    <a:lstStyle/>
-                    <a:p>
-                      <a:pPr algn="l"/>
-                      <a:r>
-                        <a:rPr lang="fi-FI" sz="1200" b="1" dirty="0" smtClean="0">
-                          <a:solidFill>
-                            <a:schemeClr val="tx1"/>
-                          </a:solidFill>
-                          <a:latin typeface="Arial" panose="020B0604020202020204" pitchFamily="34" charset="0"/>
-                          <a:cs typeface="Arial" panose="020B0604020202020204" pitchFamily="34" charset="0"/>
-                        </a:rPr>
-                        <a:t>02332 </a:t>
-                      </a:r>
-                      <a:r>
-                        <a:rPr lang="fi-FI" sz="1200" b="1" dirty="0" err="1" smtClean="0">
-                          <a:solidFill>
-                            <a:schemeClr val="tx1"/>
-                          </a:solidFill>
-                          <a:latin typeface="Arial" panose="020B0604020202020204" pitchFamily="34" charset="0"/>
-                          <a:cs typeface="Arial" panose="020B0604020202020204" pitchFamily="34" charset="0"/>
-                        </a:rPr>
-                        <a:t>Phenol</a:t>
-                      </a:r>
-                      <a:r>
-                        <a:rPr lang="fi-FI" sz="1100" b="1" dirty="0" err="1" smtClean="0">
-                          <a:solidFill>
-                            <a:schemeClr val="tx1"/>
-                          </a:solidFill>
-                          <a:latin typeface="Arial" panose="020B0604020202020204" pitchFamily="34" charset="0"/>
-                          <a:cs typeface="Arial" panose="020B0604020202020204" pitchFamily="34" charset="0"/>
-                        </a:rPr>
-                        <a:t>_</a:t>
-                      </a:r>
-                      <a:r>
-                        <a:rPr lang="fi-FI" sz="1200" b="1" dirty="0" err="1" smtClean="0">
-                          <a:solidFill>
-                            <a:schemeClr val="tx1"/>
-                          </a:solidFill>
-                          <a:latin typeface="Arial" panose="020B0604020202020204" pitchFamily="34" charset="0"/>
-                          <a:cs typeface="Arial" panose="020B0604020202020204" pitchFamily="34" charset="0"/>
-                        </a:rPr>
-                        <a:t>hydrox</a:t>
-                      </a:r>
-                      <a:endParaRPr lang="fi-FI" sz="1200" b="1" dirty="0">
-                        <a:solidFill>
-                          <a:schemeClr val="tx1"/>
-                        </a:solidFill>
-                        <a:latin typeface="Arial" panose="020B0604020202020204" pitchFamily="34" charset="0"/>
-                        <a:cs typeface="Arial" panose="020B0604020202020204" pitchFamily="34" charset="0"/>
-                      </a:endParaRPr>
-                    </a:p>
-                  </a:txBody>
-                  <a:tcPr anchor="ctr">
-                    <a:lnL w="19050" cap="flat" cmpd="sng" algn="ctr">
-                      <a:solidFill>
-                        <a:schemeClr val="tx1"/>
-                      </a:solidFill>
-                      <a:prstDash val="solid"/>
-                      <a:round/>
-                      <a:headEnd type="none" w="med" len="med"/>
-                      <a:tailEnd type="none" w="med" len="med"/>
-                    </a:lnL>
-                    <a:lnR w="19050" cap="flat" cmpd="sng" algn="ctr">
-                      <a:solidFill>
-                        <a:schemeClr val="tx1"/>
-                      </a:solidFill>
-                      <a:prstDash val="solid"/>
-                      <a:round/>
-                      <a:headEnd type="none" w="med" len="med"/>
-                      <a:tailEnd type="none" w="med" len="med"/>
-                    </a:lnR>
-                    <a:lnT w="19050" cap="flat" cmpd="sng" algn="ctr">
-                      <a:solidFill>
-                        <a:schemeClr val="tx1"/>
-                      </a:solidFill>
-                      <a:prstDash val="solid"/>
-                      <a:round/>
-                      <a:headEnd type="none" w="med" len="med"/>
-                      <a:tailEnd type="none" w="med" len="med"/>
-                    </a:lnT>
-                    <a:lnB w="19050" cap="flat" cmpd="sng" algn="ctr">
-                      <a:solidFill>
-                        <a:schemeClr val="tx1"/>
-                      </a:solidFill>
-                      <a:prstDash val="solid"/>
-                      <a:round/>
-                      <a:headEnd type="none" w="med" len="med"/>
-                      <a:tailEnd type="none" w="med" len="med"/>
-                    </a:lnB>
-                  </a:tcPr>
-                </a:tc>
-                <a:tc rowSpan="4">
-                  <a:txBody>
-                    <a:bodyPr/>
-                    <a:lstStyle/>
-                    <a:p>
-                      <a:pPr marL="0" algn="l" defTabSz="914400" rtl="0" eaLnBrk="1" latinLnBrk="0" hangingPunct="1"/>
-                      <a:r>
-                        <a:rPr lang="fi-FI" sz="1800" b="1" kern="1200" dirty="0" smtClean="0">
-                          <a:solidFill>
-                            <a:schemeClr val="tx1"/>
-                          </a:solidFill>
-                          <a:latin typeface="Arial" panose="020B0604020202020204" pitchFamily="34" charset="0"/>
-                          <a:ea typeface="+mn-ea"/>
-                          <a:cs typeface="Arial" panose="020B0604020202020204" pitchFamily="34" charset="0"/>
-                        </a:rPr>
-                        <a:t>a.25.1.2</a:t>
-                      </a:r>
-                    </a:p>
-                    <a:p>
-                      <a:pPr marL="0" algn="l" defTabSz="914400" rtl="0" eaLnBrk="1" latinLnBrk="0" hangingPunct="1"/>
-                      <a:r>
-                        <a:rPr lang="en-US" sz="1500" b="1" dirty="0" err="1" smtClean="0">
-                          <a:solidFill>
-                            <a:srgbClr val="000000"/>
-                          </a:solidFill>
-                          <a:latin typeface="Arial" panose="020B0604020202020204" pitchFamily="34" charset="0"/>
-                          <a:ea typeface="+mn-ea"/>
-                          <a:cs typeface="Arial" panose="020B0604020202020204" pitchFamily="34" charset="0"/>
-                        </a:rPr>
-                        <a:t>Ribo</a:t>
-                      </a:r>
-                      <a:endParaRPr lang="en-US" sz="1500" b="1" dirty="0" smtClean="0">
-                        <a:solidFill>
-                          <a:srgbClr val="000000"/>
-                        </a:solidFill>
-                        <a:latin typeface="Arial" panose="020B0604020202020204" pitchFamily="34" charset="0"/>
-                        <a:ea typeface="+mn-ea"/>
-                        <a:cs typeface="Arial" panose="020B0604020202020204" pitchFamily="34" charset="0"/>
-                      </a:endParaRPr>
-                    </a:p>
-                    <a:p>
-                      <a:pPr marL="0" algn="l" defTabSz="914400" rtl="0" eaLnBrk="1" latinLnBrk="0" hangingPunct="1"/>
-                      <a:r>
-                        <a:rPr lang="en-US" sz="1500" b="1" dirty="0" smtClean="0">
-                          <a:solidFill>
-                            <a:srgbClr val="000000"/>
-                          </a:solidFill>
-                          <a:latin typeface="Arial" panose="020B0604020202020204" pitchFamily="34" charset="0"/>
-                          <a:ea typeface="+mn-ea"/>
-                          <a:cs typeface="Arial" panose="020B0604020202020204" pitchFamily="34" charset="0"/>
-                        </a:rPr>
-                        <a:t>nucleotide reductase-like</a:t>
-                      </a:r>
-                      <a:endParaRPr lang="fi-FI" sz="1500" b="1" kern="1200" dirty="0">
-                        <a:solidFill>
-                          <a:schemeClr val="tx1"/>
-                        </a:solidFill>
-                        <a:latin typeface="Arial" panose="020B0604020202020204" pitchFamily="34" charset="0"/>
-                        <a:ea typeface="+mn-ea"/>
-                        <a:cs typeface="Arial" panose="020B0604020202020204" pitchFamily="34" charset="0"/>
-                      </a:endParaRPr>
-                    </a:p>
-                  </a:txBody>
-                  <a:tcPr anchor="ctr">
-                    <a:lnL w="19050" cap="flat" cmpd="sng" algn="ctr">
-                      <a:solidFill>
-                        <a:schemeClr val="tx1"/>
-                      </a:solidFill>
-                      <a:prstDash val="solid"/>
-                      <a:round/>
-                      <a:headEnd type="none" w="med" len="med"/>
-                      <a:tailEnd type="none" w="med" len="med"/>
-                    </a:lnL>
-                    <a:lnR w="19050" cap="flat" cmpd="sng" algn="ctr">
-                      <a:solidFill>
-                        <a:schemeClr val="tx1"/>
-                      </a:solidFill>
-                      <a:prstDash val="solid"/>
-                      <a:round/>
-                      <a:headEnd type="none" w="med" len="med"/>
-                      <a:tailEnd type="none" w="med" len="med"/>
-                    </a:lnR>
-                    <a:lnT w="19050" cap="flat" cmpd="sng" algn="ctr">
-                      <a:solidFill>
-                        <a:schemeClr val="tx1"/>
-                      </a:solidFill>
-                      <a:prstDash val="solid"/>
-                      <a:round/>
-                      <a:headEnd type="none" w="med" len="med"/>
-                      <a:tailEnd type="none" w="med" len="med"/>
-                    </a:lnT>
-                    <a:lnB w="19050" cap="flat" cmpd="sng" algn="ctr">
-                      <a:solidFill>
-                        <a:schemeClr val="tx1"/>
-                      </a:solidFill>
-                      <a:prstDash val="solid"/>
-                      <a:round/>
-                      <a:headEnd type="none" w="med" len="med"/>
-                      <a:tailEnd type="none" w="med" len="med"/>
-                    </a:lnB>
-                  </a:tcPr>
-                </a:tc>
-                <a:extLst>
-                  <a:ext uri="{0D108BD9-81ED-4DB2-BD59-A6C34878D82A}">
-                    <a16:rowId xmlns:a16="http://schemas.microsoft.com/office/drawing/2014/main" val="4169318344"/>
-                  </a:ext>
-                </a:extLst>
-              </a:tr>
-              <a:tr h="308592">
-                <a:tc>
-                  <a:txBody>
-                    <a:bodyPr/>
-                    <a:lstStyle/>
-                    <a:p>
-                      <a:pPr marL="0" marR="0" lvl="0" indent="0" algn="l" defTabSz="914400" rtl="0" eaLnBrk="1" fontAlgn="auto" latinLnBrk="0" hangingPunct="1">
-                        <a:lnSpc>
-                          <a:spcPct val="100000"/>
-                        </a:lnSpc>
-                        <a:spcBef>
-                          <a:spcPts val="0"/>
-                        </a:spcBef>
-                        <a:spcAft>
-                          <a:spcPts val="0"/>
-                        </a:spcAft>
-                        <a:buClrTx/>
-                        <a:buSzTx/>
-                        <a:buFontTx/>
-                        <a:buNone/>
-                        <a:tabLst/>
-                        <a:defRPr/>
-                      </a:pPr>
-                      <a:r>
-                        <a:rPr lang="fi-FI" sz="1400" b="1" dirty="0" smtClean="0">
-                          <a:solidFill>
-                            <a:srgbClr val="999900"/>
-                          </a:solidFill>
-                          <a:latin typeface="Arial" panose="020B0604020202020204" pitchFamily="34" charset="0"/>
-                          <a:cs typeface="Arial" panose="020B0604020202020204" pitchFamily="34" charset="0"/>
-                        </a:rPr>
-                        <a:t>BMM </a:t>
-                      </a:r>
-                      <a:r>
-                        <a:rPr lang="fi-FI" sz="1400" b="1" dirty="0" err="1" smtClean="0">
-                          <a:solidFill>
-                            <a:srgbClr val="999900"/>
-                          </a:solidFill>
-                          <a:latin typeface="Arial" panose="020B0604020202020204" pitchFamily="34" charset="0"/>
-                          <a:cs typeface="Arial" panose="020B0604020202020204" pitchFamily="34" charset="0"/>
-                        </a:rPr>
-                        <a:t>beta</a:t>
-                      </a:r>
-                      <a:endParaRPr lang="fi-FI" sz="1400" b="1" dirty="0" smtClean="0">
-                        <a:solidFill>
-                          <a:srgbClr val="999900"/>
-                        </a:solidFill>
-                        <a:latin typeface="Arial" panose="020B0604020202020204" pitchFamily="34" charset="0"/>
-                        <a:cs typeface="Arial" panose="020B0604020202020204" pitchFamily="34" charset="0"/>
-                      </a:endParaRPr>
-                    </a:p>
-                  </a:txBody>
-                  <a:tcPr anchor="ctr">
-                    <a:lnL w="19050" cap="flat" cmpd="sng" algn="ctr">
-                      <a:solidFill>
-                        <a:schemeClr val="tx1"/>
-                      </a:solidFill>
-                      <a:prstDash val="solid"/>
-                      <a:round/>
-                      <a:headEnd type="none" w="med" len="med"/>
-                      <a:tailEnd type="none" w="med" len="med"/>
-                    </a:lnL>
-                    <a:lnR w="19050" cap="flat" cmpd="sng" algn="ctr">
-                      <a:solidFill>
-                        <a:schemeClr val="tx1"/>
-                      </a:solidFill>
-                      <a:prstDash val="solid"/>
-                      <a:round/>
-                      <a:headEnd type="none" w="med" len="med"/>
-                      <a:tailEnd type="none" w="med" len="med"/>
-                    </a:lnR>
-                    <a:lnT w="19050" cap="flat" cmpd="sng" algn="ctr">
-                      <a:solidFill>
-                        <a:schemeClr val="tx1"/>
-                      </a:solidFill>
-                      <a:prstDash val="solid"/>
-                      <a:round/>
-                      <a:headEnd type="none" w="med" len="med"/>
-                      <a:tailEnd type="none" w="med" len="med"/>
-                    </a:lnT>
-                    <a:lnB w="19050" cap="flat" cmpd="sng" algn="ctr">
-                      <a:solidFill>
-                        <a:schemeClr val="tx1"/>
-                      </a:solidFill>
-                      <a:prstDash val="solid"/>
-                      <a:round/>
-                      <a:headEnd type="none" w="med" len="med"/>
-                      <a:tailEnd type="none" w="med" len="med"/>
-                    </a:lnB>
-                  </a:tcPr>
-                </a:tc>
-                <a:tc vMerge="1">
-                  <a:txBody>
-                    <a:bodyPr/>
-                    <a:lstStyle/>
-                    <a:p>
-                      <a:pPr marL="0" marR="0" lvl="0" indent="0" algn="ctr" defTabSz="914400" rtl="0" eaLnBrk="1" fontAlgn="auto" latinLnBrk="0" hangingPunct="1">
-                        <a:lnSpc>
-                          <a:spcPct val="100000"/>
-                        </a:lnSpc>
-                        <a:spcBef>
-                          <a:spcPts val="0"/>
-                        </a:spcBef>
-                        <a:spcAft>
-                          <a:spcPts val="0"/>
-                        </a:spcAft>
-                        <a:buClrTx/>
-                        <a:buSzTx/>
-                        <a:buFontTx/>
-                        <a:buNone/>
-                        <a:tabLst/>
-                        <a:defRPr/>
-                      </a:pPr>
-                      <a:endParaRPr lang="fi-FI" sz="1000" dirty="0" smtClean="0">
-                        <a:solidFill>
-                          <a:schemeClr val="tx1"/>
-                        </a:solidFill>
-                      </a:endParaRPr>
-                    </a:p>
-                  </a:txBody>
-                  <a:tcPr anchor="ctr">
-                    <a:lnL w="19050" cap="flat" cmpd="sng" algn="ctr">
-                      <a:solidFill>
-                        <a:schemeClr val="tx1"/>
-                      </a:solidFill>
-                      <a:prstDash val="solid"/>
-                      <a:round/>
-                      <a:headEnd type="none" w="med" len="med"/>
-                      <a:tailEnd type="none" w="med" len="med"/>
-                    </a:lnL>
-                    <a:lnR w="19050" cap="flat" cmpd="sng" algn="ctr">
-                      <a:solidFill>
-                        <a:schemeClr val="tx1"/>
-                      </a:solidFill>
-                      <a:prstDash val="solid"/>
-                      <a:round/>
-                      <a:headEnd type="none" w="med" len="med"/>
-                      <a:tailEnd type="none" w="med" len="med"/>
-                    </a:lnR>
-                    <a:lnT w="19050" cap="flat" cmpd="sng" algn="ctr">
-                      <a:solidFill>
-                        <a:schemeClr val="tx1"/>
-                      </a:solidFill>
-                      <a:prstDash val="solid"/>
-                      <a:round/>
-                      <a:headEnd type="none" w="med" len="med"/>
-                      <a:tailEnd type="none" w="med" len="med"/>
-                    </a:lnT>
-                    <a:lnB w="19050" cap="flat" cmpd="sng" algn="ctr">
-                      <a:solidFill>
-                        <a:schemeClr val="tx1"/>
-                      </a:solidFill>
-                      <a:prstDash val="solid"/>
-                      <a:round/>
-                      <a:headEnd type="none" w="med" len="med"/>
-                      <a:tailEnd type="none" w="med" len="med"/>
-                    </a:lnB>
-                  </a:tcPr>
-                </a:tc>
-                <a:tc vMerge="1">
-                  <a:txBody>
-                    <a:bodyPr/>
-                    <a:lstStyle/>
-                    <a:p>
-                      <a:pPr marL="0" marR="0" lvl="0" indent="0" algn="ctr" defTabSz="914400" rtl="0" eaLnBrk="1" fontAlgn="auto" latinLnBrk="0" hangingPunct="1">
-                        <a:lnSpc>
-                          <a:spcPct val="100000"/>
-                        </a:lnSpc>
-                        <a:spcBef>
-                          <a:spcPts val="0"/>
-                        </a:spcBef>
-                        <a:spcAft>
-                          <a:spcPts val="0"/>
-                        </a:spcAft>
-                        <a:buClrTx/>
-                        <a:buSzTx/>
-                        <a:buFontTx/>
-                        <a:buNone/>
-                        <a:tabLst/>
-                        <a:defRPr/>
-                      </a:pPr>
-                      <a:endParaRPr lang="fi-FI" sz="1000" dirty="0" smtClean="0">
-                        <a:solidFill>
-                          <a:schemeClr val="tx1"/>
-                        </a:solidFill>
-                      </a:endParaRPr>
-                    </a:p>
-                  </a:txBody>
-                  <a:tcPr anchor="ctr">
-                    <a:lnL w="12700" cap="flat" cmpd="sng" algn="ctr">
-                      <a:solidFill>
-                        <a:schemeClr val="bg1">
-                          <a:lumMod val="75000"/>
-                        </a:schemeClr>
-                      </a:solidFill>
-                      <a:prstDash val="solid"/>
-                      <a:round/>
-                      <a:headEnd type="none" w="med" len="med"/>
-                      <a:tailEnd type="none" w="med" len="med"/>
-                    </a:lnL>
-                    <a:lnR w="12700" cap="flat" cmpd="sng" algn="ctr">
-                      <a:solidFill>
-                        <a:schemeClr val="bg1">
-                          <a:lumMod val="75000"/>
-                        </a:schemeClr>
-                      </a:solidFill>
-                      <a:prstDash val="solid"/>
-                      <a:round/>
-                      <a:headEnd type="none" w="med" len="med"/>
-                      <a:tailEnd type="none" w="med" len="med"/>
-                    </a:lnR>
-                    <a:lnT w="12700" cap="flat" cmpd="sng" algn="ctr">
-                      <a:solidFill>
-                        <a:schemeClr val="bg1">
-                          <a:lumMod val="75000"/>
-                        </a:schemeClr>
-                      </a:solidFill>
-                      <a:prstDash val="solid"/>
-                      <a:round/>
-                      <a:headEnd type="none" w="med" len="med"/>
-                      <a:tailEnd type="none" w="med" len="med"/>
-                    </a:lnT>
-                    <a:lnB w="12700" cap="flat" cmpd="sng" algn="ctr">
-                      <a:solidFill>
-                        <a:schemeClr val="bg1">
-                          <a:lumMod val="75000"/>
-                        </a:schemeClr>
-                      </a:solidFill>
-                      <a:prstDash val="solid"/>
-                      <a:round/>
-                      <a:headEnd type="none" w="med" len="med"/>
-                      <a:tailEnd type="none" w="med" len="med"/>
-                    </a:lnB>
-                  </a:tcPr>
-                </a:tc>
-                <a:extLst>
-                  <a:ext uri="{0D108BD9-81ED-4DB2-BD59-A6C34878D82A}">
-                    <a16:rowId xmlns:a16="http://schemas.microsoft.com/office/drawing/2014/main" val="2407441742"/>
-                  </a:ext>
-                </a:extLst>
-              </a:tr>
-              <a:tr h="453044">
-                <a:tc>
-                  <a:txBody>
-                    <a:bodyPr/>
-                    <a:lstStyle/>
-                    <a:p>
-                      <a:pPr marL="0" marR="0" lvl="0" indent="0" algn="l" defTabSz="914400" rtl="0" eaLnBrk="1" fontAlgn="auto" latinLnBrk="0" hangingPunct="1">
-                        <a:lnSpc>
-                          <a:spcPct val="100000"/>
-                        </a:lnSpc>
-                        <a:spcBef>
-                          <a:spcPts val="0"/>
-                        </a:spcBef>
-                        <a:spcAft>
-                          <a:spcPts val="0"/>
-                        </a:spcAft>
-                        <a:buClrTx/>
-                        <a:buSzTx/>
-                        <a:buFontTx/>
-                        <a:buNone/>
-                        <a:tabLst/>
-                        <a:defRPr/>
-                      </a:pPr>
-                      <a:r>
-                        <a:rPr lang="fi-FI" sz="1400" b="1" dirty="0" err="1" smtClean="0">
-                          <a:solidFill>
-                            <a:srgbClr val="009595"/>
-                          </a:solidFill>
-                          <a:latin typeface="Arial" panose="020B0604020202020204" pitchFamily="34" charset="0"/>
-                          <a:cs typeface="Arial" panose="020B0604020202020204" pitchFamily="34" charset="0"/>
-                        </a:rPr>
-                        <a:t>Fatty</a:t>
-                      </a:r>
-                      <a:r>
-                        <a:rPr lang="fi-FI" sz="1400" b="1" dirty="0" smtClean="0">
-                          <a:solidFill>
-                            <a:srgbClr val="009595"/>
-                          </a:solidFill>
-                          <a:latin typeface="Arial" panose="020B0604020202020204" pitchFamily="34" charset="0"/>
-                          <a:cs typeface="Arial" panose="020B0604020202020204" pitchFamily="34" charset="0"/>
-                        </a:rPr>
-                        <a:t> </a:t>
-                      </a:r>
-                      <a:r>
-                        <a:rPr lang="fi-FI" sz="1400" b="1" dirty="0" err="1" smtClean="0">
-                          <a:solidFill>
-                            <a:srgbClr val="009595"/>
-                          </a:solidFill>
-                          <a:latin typeface="Arial" panose="020B0604020202020204" pitchFamily="34" charset="0"/>
-                          <a:cs typeface="Arial" panose="020B0604020202020204" pitchFamily="34" charset="0"/>
-                        </a:rPr>
-                        <a:t>acid</a:t>
-                      </a:r>
-                      <a:r>
-                        <a:rPr lang="fi-FI" sz="1400" b="1" dirty="0" smtClean="0">
-                          <a:solidFill>
-                            <a:srgbClr val="009595"/>
-                          </a:solidFill>
-                          <a:latin typeface="Arial" panose="020B0604020202020204" pitchFamily="34" charset="0"/>
-                          <a:cs typeface="Arial" panose="020B0604020202020204" pitchFamily="34" charset="0"/>
-                        </a:rPr>
-                        <a:t> </a:t>
-                      </a:r>
-                      <a:r>
-                        <a:rPr lang="fi-FI" sz="1400" b="1" dirty="0" err="1" smtClean="0">
-                          <a:solidFill>
-                            <a:srgbClr val="009595"/>
-                          </a:solidFill>
-                          <a:latin typeface="Arial" panose="020B0604020202020204" pitchFamily="34" charset="0"/>
-                          <a:cs typeface="Arial" panose="020B0604020202020204" pitchFamily="34" charset="0"/>
-                        </a:rPr>
-                        <a:t>desaturase</a:t>
-                      </a:r>
-                      <a:endParaRPr lang="fi-FI" sz="1400" b="1" dirty="0" smtClean="0">
-                        <a:solidFill>
-                          <a:srgbClr val="009595"/>
-                        </a:solidFill>
-                        <a:latin typeface="Arial" panose="020B0604020202020204" pitchFamily="34" charset="0"/>
-                        <a:cs typeface="Arial" panose="020B0604020202020204" pitchFamily="34" charset="0"/>
-                      </a:endParaRPr>
-                    </a:p>
-                  </a:txBody>
-                  <a:tcPr anchor="ctr">
-                    <a:lnL w="19050" cap="flat" cmpd="sng" algn="ctr">
-                      <a:solidFill>
-                        <a:schemeClr val="tx1"/>
-                      </a:solidFill>
-                      <a:prstDash val="solid"/>
-                      <a:round/>
-                      <a:headEnd type="none" w="med" len="med"/>
-                      <a:tailEnd type="none" w="med" len="med"/>
-                    </a:lnL>
-                    <a:lnR w="19050" cap="flat" cmpd="sng" algn="ctr">
-                      <a:solidFill>
-                        <a:schemeClr val="tx1"/>
-                      </a:solidFill>
-                      <a:prstDash val="solid"/>
-                      <a:round/>
-                      <a:headEnd type="none" w="med" len="med"/>
-                      <a:tailEnd type="none" w="med" len="med"/>
-                    </a:lnR>
-                    <a:lnT w="19050" cap="flat" cmpd="sng" algn="ctr">
-                      <a:solidFill>
-                        <a:schemeClr val="tx1"/>
-                      </a:solidFill>
-                      <a:prstDash val="solid"/>
-                      <a:round/>
-                      <a:headEnd type="none" w="med" len="med"/>
-                      <a:tailEnd type="none" w="med" len="med"/>
-                    </a:lnT>
-                    <a:lnB w="19050" cap="flat" cmpd="sng" algn="ctr">
-                      <a:solidFill>
-                        <a:schemeClr val="tx1"/>
-                      </a:solidFill>
-                      <a:prstDash val="solid"/>
-                      <a:round/>
-                      <a:headEnd type="none" w="med" len="med"/>
-                      <a:tailEnd type="none" w="med" len="med"/>
-                    </a:lnB>
-                  </a:tcPr>
-                </a:tc>
-                <a:tc>
-                  <a:txBody>
-                    <a:bodyPr/>
-                    <a:lstStyle/>
-                    <a:p>
-                      <a:pPr algn="l"/>
-                      <a:r>
-                        <a:rPr lang="fi-FI" sz="1200" b="1" dirty="0" smtClean="0">
-                          <a:solidFill>
-                            <a:schemeClr val="tx1"/>
-                          </a:solidFill>
-                          <a:latin typeface="Arial" panose="020B0604020202020204" pitchFamily="34" charset="0"/>
-                          <a:cs typeface="Arial" panose="020B0604020202020204" pitchFamily="34" charset="0"/>
-                        </a:rPr>
-                        <a:t>03405 </a:t>
-                      </a:r>
-                      <a:r>
-                        <a:rPr lang="fi-FI" sz="1200" b="1" dirty="0" err="1" smtClean="0">
-                          <a:solidFill>
-                            <a:schemeClr val="tx1"/>
-                          </a:solidFill>
-                          <a:latin typeface="Arial" panose="020B0604020202020204" pitchFamily="34" charset="0"/>
-                          <a:cs typeface="Arial" panose="020B0604020202020204" pitchFamily="34" charset="0"/>
-                        </a:rPr>
-                        <a:t>FA</a:t>
-                      </a:r>
-                      <a:r>
-                        <a:rPr lang="fi-FI" sz="1100" b="1" dirty="0" err="1" smtClean="0">
-                          <a:solidFill>
-                            <a:schemeClr val="tx1"/>
-                          </a:solidFill>
-                          <a:latin typeface="Arial" panose="020B0604020202020204" pitchFamily="34" charset="0"/>
-                          <a:cs typeface="Arial" panose="020B0604020202020204" pitchFamily="34" charset="0"/>
-                        </a:rPr>
-                        <a:t>_</a:t>
-                      </a:r>
-                      <a:r>
-                        <a:rPr lang="fi-FI" sz="1200" b="1" dirty="0" err="1" smtClean="0">
-                          <a:solidFill>
-                            <a:schemeClr val="tx1"/>
-                          </a:solidFill>
-                          <a:latin typeface="Arial" panose="020B0604020202020204" pitchFamily="34" charset="0"/>
-                          <a:cs typeface="Arial" panose="020B0604020202020204" pitchFamily="34" charset="0"/>
-                        </a:rPr>
-                        <a:t>desaturase</a:t>
-                      </a:r>
-                      <a:endParaRPr lang="fi-FI" sz="1200" b="1" dirty="0">
-                        <a:solidFill>
-                          <a:schemeClr val="tx1"/>
-                        </a:solidFill>
-                        <a:latin typeface="Arial" panose="020B0604020202020204" pitchFamily="34" charset="0"/>
-                        <a:cs typeface="Arial" panose="020B0604020202020204" pitchFamily="34" charset="0"/>
-                      </a:endParaRPr>
-                    </a:p>
-                  </a:txBody>
-                  <a:tcPr anchor="ctr">
-                    <a:lnL w="19050" cap="flat" cmpd="sng" algn="ctr">
-                      <a:solidFill>
-                        <a:schemeClr val="tx1"/>
-                      </a:solidFill>
-                      <a:prstDash val="solid"/>
-                      <a:round/>
-                      <a:headEnd type="none" w="med" len="med"/>
-                      <a:tailEnd type="none" w="med" len="med"/>
-                    </a:lnL>
-                    <a:lnR w="19050" cap="flat" cmpd="sng" algn="ctr">
-                      <a:solidFill>
-                        <a:schemeClr val="tx1"/>
-                      </a:solidFill>
-                      <a:prstDash val="solid"/>
-                      <a:round/>
-                      <a:headEnd type="none" w="med" len="med"/>
-                      <a:tailEnd type="none" w="med" len="med"/>
-                    </a:lnR>
-                    <a:lnT w="19050" cap="flat" cmpd="sng" algn="ctr">
-                      <a:solidFill>
-                        <a:schemeClr val="tx1"/>
-                      </a:solidFill>
-                      <a:prstDash val="solid"/>
-                      <a:round/>
-                      <a:headEnd type="none" w="med" len="med"/>
-                      <a:tailEnd type="none" w="med" len="med"/>
-                    </a:lnT>
-                    <a:lnB w="19050" cap="flat" cmpd="sng" algn="ctr">
-                      <a:solidFill>
-                        <a:schemeClr val="tx1"/>
-                      </a:solidFill>
-                      <a:prstDash val="solid"/>
-                      <a:round/>
-                      <a:headEnd type="none" w="med" len="med"/>
-                      <a:tailEnd type="none" w="med" len="med"/>
-                    </a:lnB>
-                  </a:tcPr>
-                </a:tc>
-                <a:tc vMerge="1">
-                  <a:txBody>
-                    <a:bodyPr/>
-                    <a:lstStyle/>
-                    <a:p>
-                      <a:pPr algn="l"/>
-                      <a:endParaRPr lang="fi-FI" sz="1050" b="1" dirty="0">
-                        <a:solidFill>
-                          <a:schemeClr val="tx1"/>
-                        </a:solidFill>
-                        <a:latin typeface="Arial" panose="020B0604020202020204" pitchFamily="34" charset="0"/>
-                        <a:cs typeface="Arial" panose="020B0604020202020204" pitchFamily="34" charset="0"/>
-                      </a:endParaRPr>
-                    </a:p>
-                  </a:txBody>
-                  <a:tcPr anchor="ctr">
-                    <a:lnL w="19050" cap="flat" cmpd="sng" algn="ctr">
-                      <a:solidFill>
-                        <a:schemeClr val="tx1"/>
-                      </a:solidFill>
-                      <a:prstDash val="solid"/>
-                      <a:round/>
-                      <a:headEnd type="none" w="med" len="med"/>
-                      <a:tailEnd type="none" w="med" len="med"/>
-                    </a:lnL>
-                    <a:lnR w="19050" cap="flat" cmpd="sng" algn="ctr">
-                      <a:solidFill>
-                        <a:schemeClr val="tx1"/>
-                      </a:solidFill>
-                      <a:prstDash val="solid"/>
-                      <a:round/>
-                      <a:headEnd type="none" w="med" len="med"/>
-                      <a:tailEnd type="none" w="med" len="med"/>
-                    </a:lnR>
-                    <a:lnT w="19050" cap="flat" cmpd="sng" algn="ctr">
-                      <a:solidFill>
-                        <a:schemeClr val="tx1"/>
-                      </a:solidFill>
-                      <a:prstDash val="solid"/>
-                      <a:round/>
-                      <a:headEnd type="none" w="med" len="med"/>
-                      <a:tailEnd type="none" w="med" len="med"/>
-                    </a:lnT>
-                    <a:lnB w="19050" cap="flat" cmpd="sng" algn="ctr">
-                      <a:solidFill>
-                        <a:schemeClr val="tx1"/>
-                      </a:solidFill>
-                      <a:prstDash val="solid"/>
-                      <a:round/>
-                      <a:headEnd type="none" w="med" len="med"/>
-                      <a:tailEnd type="none" w="med" len="med"/>
-                    </a:lnB>
-                  </a:tcPr>
-                </a:tc>
-                <a:extLst>
-                  <a:ext uri="{0D108BD9-81ED-4DB2-BD59-A6C34878D82A}">
-                    <a16:rowId xmlns:a16="http://schemas.microsoft.com/office/drawing/2014/main" val="2867080464"/>
-                  </a:ext>
-                </a:extLst>
-              </a:tr>
-              <a:tr h="308592">
-                <a:tc>
-                  <a:txBody>
-                    <a:bodyPr/>
-                    <a:lstStyle/>
-                    <a:p>
-                      <a:pPr marL="0" marR="0" lvl="0" indent="0" algn="l" defTabSz="914400" rtl="0" eaLnBrk="1" fontAlgn="auto" latinLnBrk="0" hangingPunct="1">
-                        <a:lnSpc>
-                          <a:spcPct val="100000"/>
-                        </a:lnSpc>
-                        <a:spcBef>
-                          <a:spcPts val="0"/>
-                        </a:spcBef>
-                        <a:spcAft>
-                          <a:spcPts val="0"/>
-                        </a:spcAft>
-                        <a:buClrTx/>
-                        <a:buSzTx/>
-                        <a:buFontTx/>
-                        <a:buNone/>
-                        <a:tabLst/>
-                        <a:defRPr/>
-                      </a:pPr>
-                      <a:r>
-                        <a:rPr lang="fi-FI" sz="1400" b="1" dirty="0" smtClean="0">
-                          <a:solidFill>
-                            <a:srgbClr val="FF44FF"/>
-                          </a:solidFill>
-                          <a:latin typeface="Arial" panose="020B0604020202020204" pitchFamily="34" charset="0"/>
-                          <a:cs typeface="Arial" panose="020B0604020202020204" pitchFamily="34" charset="0"/>
-                        </a:rPr>
-                        <a:t>RNR R2</a:t>
-                      </a:r>
-                    </a:p>
-                  </a:txBody>
-                  <a:tcPr anchor="ctr">
-                    <a:lnL w="19050" cap="flat" cmpd="sng" algn="ctr">
-                      <a:solidFill>
-                        <a:schemeClr val="tx1"/>
-                      </a:solidFill>
-                      <a:prstDash val="solid"/>
-                      <a:round/>
-                      <a:headEnd type="none" w="med" len="med"/>
-                      <a:tailEnd type="none" w="med" len="med"/>
-                    </a:lnL>
-                    <a:lnR w="19050" cap="flat" cmpd="sng" algn="ctr">
-                      <a:solidFill>
-                        <a:schemeClr val="tx1"/>
-                      </a:solidFill>
-                      <a:prstDash val="solid"/>
-                      <a:round/>
-                      <a:headEnd type="none" w="med" len="med"/>
-                      <a:tailEnd type="none" w="med" len="med"/>
-                    </a:lnR>
-                    <a:lnT w="19050" cap="flat" cmpd="sng" algn="ctr">
-                      <a:solidFill>
-                        <a:schemeClr val="tx1"/>
-                      </a:solidFill>
-                      <a:prstDash val="solid"/>
-                      <a:round/>
-                      <a:headEnd type="none" w="med" len="med"/>
-                      <a:tailEnd type="none" w="med" len="med"/>
-                    </a:lnT>
-                    <a:lnB w="19050" cap="flat" cmpd="sng" algn="ctr">
-                      <a:solidFill>
-                        <a:schemeClr val="tx1"/>
-                      </a:solidFill>
-                      <a:prstDash val="solid"/>
-                      <a:round/>
-                      <a:headEnd type="none" w="med" len="med"/>
-                      <a:tailEnd type="none" w="med" len="med"/>
-                    </a:lnB>
-                  </a:tcPr>
-                </a:tc>
-                <a:tc>
-                  <a:txBody>
-                    <a:bodyPr/>
-                    <a:lstStyle/>
-                    <a:p>
-                      <a:pPr algn="l"/>
-                      <a:r>
-                        <a:rPr lang="fi-FI" sz="1200" b="1" dirty="0" smtClean="0">
-                          <a:solidFill>
-                            <a:schemeClr val="tx1"/>
-                          </a:solidFill>
-                          <a:latin typeface="Arial" panose="020B0604020202020204" pitchFamily="34" charset="0"/>
-                          <a:cs typeface="Arial" panose="020B0604020202020204" pitchFamily="34" charset="0"/>
-                        </a:rPr>
-                        <a:t>00268 </a:t>
-                      </a:r>
-                      <a:r>
-                        <a:rPr lang="fi-FI" sz="1200" b="1" dirty="0" err="1" smtClean="0">
-                          <a:solidFill>
-                            <a:schemeClr val="tx1"/>
-                          </a:solidFill>
-                          <a:latin typeface="Arial" panose="020B0604020202020204" pitchFamily="34" charset="0"/>
-                          <a:cs typeface="Arial" panose="020B0604020202020204" pitchFamily="34" charset="0"/>
-                        </a:rPr>
-                        <a:t>Ribonuc</a:t>
-                      </a:r>
-                      <a:r>
-                        <a:rPr lang="fi-FI" sz="1100" b="1" dirty="0" err="1" smtClean="0">
-                          <a:solidFill>
-                            <a:schemeClr val="tx1"/>
-                          </a:solidFill>
-                          <a:latin typeface="Arial" panose="020B0604020202020204" pitchFamily="34" charset="0"/>
-                          <a:cs typeface="Arial" panose="020B0604020202020204" pitchFamily="34" charset="0"/>
-                        </a:rPr>
-                        <a:t>_</a:t>
-                      </a:r>
-                      <a:r>
-                        <a:rPr lang="fi-FI" sz="1200" b="1" dirty="0" err="1" smtClean="0">
-                          <a:solidFill>
-                            <a:schemeClr val="tx1"/>
-                          </a:solidFill>
-                          <a:latin typeface="Arial" panose="020B0604020202020204" pitchFamily="34" charset="0"/>
-                          <a:cs typeface="Arial" panose="020B0604020202020204" pitchFamily="34" charset="0"/>
-                        </a:rPr>
-                        <a:t>red</a:t>
-                      </a:r>
-                      <a:r>
-                        <a:rPr lang="fi-FI" sz="1100" b="1" dirty="0" err="1" smtClean="0">
-                          <a:solidFill>
-                            <a:schemeClr val="tx1"/>
-                          </a:solidFill>
-                          <a:latin typeface="Arial" panose="020B0604020202020204" pitchFamily="34" charset="0"/>
-                          <a:cs typeface="Arial" panose="020B0604020202020204" pitchFamily="34" charset="0"/>
-                        </a:rPr>
-                        <a:t>_</a:t>
-                      </a:r>
-                      <a:r>
-                        <a:rPr lang="fi-FI" sz="1200" b="1" dirty="0" err="1" smtClean="0">
-                          <a:solidFill>
-                            <a:schemeClr val="tx1"/>
-                          </a:solidFill>
-                          <a:latin typeface="Arial" panose="020B0604020202020204" pitchFamily="34" charset="0"/>
-                          <a:cs typeface="Arial" panose="020B0604020202020204" pitchFamily="34" charset="0"/>
-                        </a:rPr>
-                        <a:t>sm</a:t>
-                      </a:r>
-                      <a:endParaRPr lang="fi-FI" sz="1200" b="1" dirty="0">
-                        <a:solidFill>
-                          <a:schemeClr val="tx1"/>
-                        </a:solidFill>
-                        <a:latin typeface="Arial" panose="020B0604020202020204" pitchFamily="34" charset="0"/>
-                        <a:cs typeface="Arial" panose="020B0604020202020204" pitchFamily="34" charset="0"/>
-                      </a:endParaRPr>
-                    </a:p>
-                  </a:txBody>
-                  <a:tcPr anchor="ctr">
-                    <a:lnL w="19050" cap="flat" cmpd="sng" algn="ctr">
-                      <a:solidFill>
-                        <a:schemeClr val="tx1"/>
-                      </a:solidFill>
-                      <a:prstDash val="solid"/>
-                      <a:round/>
-                      <a:headEnd type="none" w="med" len="med"/>
-                      <a:tailEnd type="none" w="med" len="med"/>
-                    </a:lnL>
-                    <a:lnR w="19050" cap="flat" cmpd="sng" algn="ctr">
-                      <a:solidFill>
-                        <a:schemeClr val="tx1"/>
-                      </a:solidFill>
-                      <a:prstDash val="solid"/>
-                      <a:round/>
-                      <a:headEnd type="none" w="med" len="med"/>
-                      <a:tailEnd type="none" w="med" len="med"/>
-                    </a:lnR>
-                    <a:lnT w="19050" cap="flat" cmpd="sng" algn="ctr">
-                      <a:solidFill>
-                        <a:schemeClr val="tx1"/>
-                      </a:solidFill>
-                      <a:prstDash val="solid"/>
-                      <a:round/>
-                      <a:headEnd type="none" w="med" len="med"/>
-                      <a:tailEnd type="none" w="med" len="med"/>
-                    </a:lnT>
-                    <a:lnB w="19050" cap="flat" cmpd="sng" algn="ctr">
-                      <a:solidFill>
-                        <a:schemeClr val="tx1"/>
-                      </a:solidFill>
-                      <a:prstDash val="solid"/>
-                      <a:round/>
-                      <a:headEnd type="none" w="med" len="med"/>
-                      <a:tailEnd type="none" w="med" len="med"/>
-                    </a:lnB>
-                  </a:tcPr>
-                </a:tc>
-                <a:tc vMerge="1">
-                  <a:txBody>
-                    <a:bodyPr/>
-                    <a:lstStyle/>
-                    <a:p>
-                      <a:pPr algn="l"/>
-                      <a:endParaRPr lang="fi-FI" sz="1050" b="1" dirty="0">
-                        <a:solidFill>
-                          <a:schemeClr val="tx1"/>
-                        </a:solidFill>
-                        <a:latin typeface="Arial" panose="020B0604020202020204" pitchFamily="34" charset="0"/>
-                        <a:cs typeface="Arial" panose="020B0604020202020204" pitchFamily="34" charset="0"/>
-                      </a:endParaRPr>
-                    </a:p>
-                  </a:txBody>
-                  <a:tcPr anchor="ctr">
-                    <a:lnL w="19050" cap="flat" cmpd="sng" algn="ctr">
-                      <a:solidFill>
-                        <a:schemeClr val="tx1"/>
-                      </a:solidFill>
-                      <a:prstDash val="solid"/>
-                      <a:round/>
-                      <a:headEnd type="none" w="med" len="med"/>
-                      <a:tailEnd type="none" w="med" len="med"/>
-                    </a:lnL>
-                    <a:lnR w="19050" cap="flat" cmpd="sng" algn="ctr">
-                      <a:solidFill>
-                        <a:schemeClr val="tx1"/>
-                      </a:solidFill>
-                      <a:prstDash val="solid"/>
-                      <a:round/>
-                      <a:headEnd type="none" w="med" len="med"/>
-                      <a:tailEnd type="none" w="med" len="med"/>
-                    </a:lnR>
-                    <a:lnT w="19050" cap="flat" cmpd="sng" algn="ctr">
-                      <a:solidFill>
-                        <a:schemeClr val="tx1"/>
-                      </a:solidFill>
-                      <a:prstDash val="solid"/>
-                      <a:round/>
-                      <a:headEnd type="none" w="med" len="med"/>
-                      <a:tailEnd type="none" w="med" len="med"/>
-                    </a:lnT>
-                    <a:lnB w="19050" cap="flat" cmpd="sng" algn="ctr">
-                      <a:solidFill>
-                        <a:schemeClr val="tx1"/>
-                      </a:solidFill>
-                      <a:prstDash val="solid"/>
-                      <a:round/>
-                      <a:headEnd type="none" w="med" len="med"/>
-                      <a:tailEnd type="none" w="med" len="med"/>
-                    </a:lnB>
-                  </a:tcPr>
-                </a:tc>
-                <a:extLst>
-                  <a:ext uri="{0D108BD9-81ED-4DB2-BD59-A6C34878D82A}">
-                    <a16:rowId xmlns:a16="http://schemas.microsoft.com/office/drawing/2014/main" val="970322910"/>
-                  </a:ext>
-                </a:extLst>
-              </a:tr>
-            </a:tbl>
-          </a:graphicData>
-        </a:graphic>
-      </p:graphicFrame>
       <p:pic>
         <p:nvPicPr>
           <p:cNvPr id="234" name="Picture 233"/>
@@ -14353,7 +11980,7 @@
         </p:nvSpPr>
         <p:spPr>
           <a:xfrm>
-            <a:off x="4691644" y="1937286"/>
+            <a:off x="3293666" y="1299111"/>
             <a:ext cx="144527" cy="141505"/>
           </a:xfrm>
           <a:custGeom>
@@ -14887,7 +12514,7 @@
         </p:nvSpPr>
         <p:spPr bwMode="auto">
           <a:xfrm>
-            <a:off x="49330" y="7001556"/>
+            <a:off x="49330" y="7039656"/>
             <a:ext cx="475063" cy="635787"/>
           </a:xfrm>
           <a:prstGeom prst="rect">
@@ -15391,7 +13018,7 @@
         </p:nvGrpSpPr>
         <p:grpSpPr>
           <a:xfrm>
-            <a:off x="216549" y="10719548"/>
+            <a:off x="216549" y="10729073"/>
             <a:ext cx="5743968" cy="2857738"/>
             <a:chOff x="92691" y="7522734"/>
             <a:chExt cx="11489713" cy="5299796"/>
@@ -18258,7 +15885,7 @@
         </p:nvSpPr>
         <p:spPr bwMode="auto">
           <a:xfrm>
-            <a:off x="78635" y="10618123"/>
+            <a:off x="78635" y="10313323"/>
             <a:ext cx="475063" cy="635787"/>
           </a:xfrm>
           <a:prstGeom prst="rect">
@@ -18344,7 +15971,7 @@
         </p:nvSpPr>
         <p:spPr bwMode="auto">
           <a:xfrm>
-            <a:off x="2187681" y="10400368"/>
+            <a:off x="2257050" y="10456349"/>
             <a:ext cx="900959" cy="512676"/>
           </a:xfrm>
           <a:prstGeom prst="rect">
@@ -18933,6 +16560,1908 @@
           </a:p>
         </p:txBody>
       </p:sp>
+      <p:graphicFrame>
+        <p:nvGraphicFramePr>
+          <p:cNvPr id="227" name="Table 226"/>
+          <p:cNvGraphicFramePr>
+            <a:graphicFrameLocks noGrp="1"/>
+          </p:cNvGraphicFramePr>
+          <p:nvPr>
+            <p:extLst>
+              <p:ext uri="{D42A27DB-BD31-4B8C-83A1-F6EECF244321}">
+                <p14:modId xmlns:p14="http://schemas.microsoft.com/office/powerpoint/2010/main" val="1405162014"/>
+              </p:ext>
+            </p:extLst>
+          </p:nvPr>
+        </p:nvGraphicFramePr>
+        <p:xfrm>
+          <a:off x="9051709" y="2538041"/>
+          <a:ext cx="2244582" cy="635280"/>
+        </p:xfrm>
+        <a:graphic>
+          <a:graphicData uri="http://schemas.openxmlformats.org/drawingml/2006/table">
+            <a:tbl>
+              <a:tblPr firstRow="1" bandRow="1">
+                <a:tableStyleId>{5940675A-B579-460E-94D1-54222C63F5DA}</a:tableStyleId>
+              </a:tblPr>
+              <a:tblGrid>
+                <a:gridCol w="249398">
+                  <a:extLst>
+                    <a:ext uri="{9D8B030D-6E8A-4147-A177-3AD203B41FA5}">
+                      <a16:colId xmlns:a16="http://schemas.microsoft.com/office/drawing/2014/main" val="3012537937"/>
+                    </a:ext>
+                  </a:extLst>
+                </a:gridCol>
+                <a:gridCol w="249398">
+                  <a:extLst>
+                    <a:ext uri="{9D8B030D-6E8A-4147-A177-3AD203B41FA5}">
+                      <a16:colId xmlns:a16="http://schemas.microsoft.com/office/drawing/2014/main" val="3531178176"/>
+                    </a:ext>
+                  </a:extLst>
+                </a:gridCol>
+                <a:gridCol w="249398">
+                  <a:extLst>
+                    <a:ext uri="{9D8B030D-6E8A-4147-A177-3AD203B41FA5}">
+                      <a16:colId xmlns:a16="http://schemas.microsoft.com/office/drawing/2014/main" val="3489846618"/>
+                    </a:ext>
+                  </a:extLst>
+                </a:gridCol>
+                <a:gridCol w="249398">
+                  <a:extLst>
+                    <a:ext uri="{9D8B030D-6E8A-4147-A177-3AD203B41FA5}">
+                      <a16:colId xmlns:a16="http://schemas.microsoft.com/office/drawing/2014/main" val="2526708534"/>
+                    </a:ext>
+                  </a:extLst>
+                </a:gridCol>
+                <a:gridCol w="249398">
+                  <a:extLst>
+                    <a:ext uri="{9D8B030D-6E8A-4147-A177-3AD203B41FA5}">
+                      <a16:colId xmlns:a16="http://schemas.microsoft.com/office/drawing/2014/main" val="776702914"/>
+                    </a:ext>
+                  </a:extLst>
+                </a:gridCol>
+                <a:gridCol w="249398">
+                  <a:extLst>
+                    <a:ext uri="{9D8B030D-6E8A-4147-A177-3AD203B41FA5}">
+                      <a16:colId xmlns:a16="http://schemas.microsoft.com/office/drawing/2014/main" val="3175340140"/>
+                    </a:ext>
+                  </a:extLst>
+                </a:gridCol>
+                <a:gridCol w="249398">
+                  <a:extLst>
+                    <a:ext uri="{9D8B030D-6E8A-4147-A177-3AD203B41FA5}">
+                      <a16:colId xmlns:a16="http://schemas.microsoft.com/office/drawing/2014/main" val="1387359766"/>
+                    </a:ext>
+                  </a:extLst>
+                </a:gridCol>
+                <a:gridCol w="249398">
+                  <a:extLst>
+                    <a:ext uri="{9D8B030D-6E8A-4147-A177-3AD203B41FA5}">
+                      <a16:colId xmlns:a16="http://schemas.microsoft.com/office/drawing/2014/main" val="2867197238"/>
+                    </a:ext>
+                  </a:extLst>
+                </a:gridCol>
+                <a:gridCol w="249398">
+                  <a:extLst>
+                    <a:ext uri="{9D8B030D-6E8A-4147-A177-3AD203B41FA5}">
+                      <a16:colId xmlns:a16="http://schemas.microsoft.com/office/drawing/2014/main" val="1294905588"/>
+                    </a:ext>
+                  </a:extLst>
+                </a:gridCol>
+              </a:tblGrid>
+              <a:tr h="308592">
+                <a:tc gridSpan="4">
+                  <a:txBody>
+                    <a:bodyPr/>
+                    <a:lstStyle/>
+                    <a:p>
+                      <a:pPr marL="0" marR="0" lvl="0" indent="0" algn="ctr" defTabSz="914400" rtl="0" eaLnBrk="1" fontAlgn="auto" latinLnBrk="0" hangingPunct="1">
+                        <a:lnSpc>
+                          <a:spcPct val="100000"/>
+                        </a:lnSpc>
+                        <a:spcBef>
+                          <a:spcPts val="0"/>
+                        </a:spcBef>
+                        <a:spcAft>
+                          <a:spcPts val="0"/>
+                        </a:spcAft>
+                        <a:buClrTx/>
+                        <a:buSzTx/>
+                        <a:buFontTx/>
+                        <a:buNone/>
+                        <a:tabLst/>
+                        <a:defRPr/>
+                      </a:pPr>
+                      <a:r>
+                        <a:rPr lang="en-US" sz="1400" b="1" dirty="0" smtClean="0"/>
+                        <a:t>a.25.1.1</a:t>
+                      </a:r>
+                      <a:endParaRPr lang="fi-FI" sz="1400" b="1" dirty="0" smtClean="0">
+                        <a:latin typeface="Arial" panose="020B0604020202020204" pitchFamily="34" charset="0"/>
+                        <a:cs typeface="Arial" panose="020B0604020202020204" pitchFamily="34" charset="0"/>
+                      </a:endParaRPr>
+                    </a:p>
+                  </a:txBody>
+                  <a:tcPr/>
+                </a:tc>
+                <a:tc hMerge="1">
+                  <a:txBody>
+                    <a:bodyPr/>
+                    <a:lstStyle/>
+                    <a:p>
+                      <a:endParaRPr lang="fi-FI" dirty="0"/>
+                    </a:p>
+                  </a:txBody>
+                  <a:tcPr/>
+                </a:tc>
+                <a:tc hMerge="1">
+                  <a:txBody>
+                    <a:bodyPr/>
+                    <a:lstStyle/>
+                    <a:p>
+                      <a:endParaRPr lang="fi-FI" dirty="0"/>
+                    </a:p>
+                  </a:txBody>
+                  <a:tcPr/>
+                </a:tc>
+                <a:tc hMerge="1">
+                  <a:txBody>
+                    <a:bodyPr/>
+                    <a:lstStyle/>
+                    <a:p>
+                      <a:endParaRPr lang="fi-FI" dirty="0"/>
+                    </a:p>
+                  </a:txBody>
+                  <a:tcPr/>
+                </a:tc>
+                <a:tc>
+                  <a:txBody>
+                    <a:bodyPr/>
+                    <a:lstStyle/>
+                    <a:p>
+                      <a:pPr algn="ctr"/>
+                      <a:endParaRPr lang="fi-FI" sz="1400" dirty="0"/>
+                    </a:p>
+                  </a:txBody>
+                  <a:tcPr>
+                    <a:lnT w="12700" cmpd="sng">
+                      <a:noFill/>
+                    </a:lnT>
+                  </a:tcPr>
+                </a:tc>
+                <a:tc gridSpan="4">
+                  <a:txBody>
+                    <a:bodyPr/>
+                    <a:lstStyle/>
+                    <a:p>
+                      <a:pPr marL="0" marR="0" lvl="0" indent="0" algn="ctr" defTabSz="914400" rtl="0" eaLnBrk="1" fontAlgn="auto" latinLnBrk="0" hangingPunct="1">
+                        <a:lnSpc>
+                          <a:spcPct val="100000"/>
+                        </a:lnSpc>
+                        <a:spcBef>
+                          <a:spcPts val="0"/>
+                        </a:spcBef>
+                        <a:spcAft>
+                          <a:spcPts val="0"/>
+                        </a:spcAft>
+                        <a:buClrTx/>
+                        <a:buSzTx/>
+                        <a:buFontTx/>
+                        <a:buNone/>
+                        <a:tabLst/>
+                        <a:defRPr/>
+                      </a:pPr>
+                      <a:r>
+                        <a:rPr lang="en-US" sz="1400" b="1" dirty="0" smtClean="0"/>
+                        <a:t>a.25.1.2</a:t>
+                      </a:r>
+                    </a:p>
+                  </a:txBody>
+                  <a:tcPr/>
+                </a:tc>
+                <a:tc hMerge="1">
+                  <a:txBody>
+                    <a:bodyPr/>
+                    <a:lstStyle/>
+                    <a:p>
+                      <a:endParaRPr lang="fi-FI"/>
+                    </a:p>
+                  </a:txBody>
+                  <a:tcPr/>
+                </a:tc>
+                <a:tc hMerge="1">
+                  <a:txBody>
+                    <a:bodyPr/>
+                    <a:lstStyle/>
+                    <a:p>
+                      <a:endParaRPr lang="fi-FI"/>
+                    </a:p>
+                  </a:txBody>
+                  <a:tcPr/>
+                </a:tc>
+                <a:tc hMerge="1">
+                  <a:txBody>
+                    <a:bodyPr/>
+                    <a:lstStyle/>
+                    <a:p>
+                      <a:endParaRPr lang="fi-FI" dirty="0"/>
+                    </a:p>
+                  </a:txBody>
+                  <a:tcPr/>
+                </a:tc>
+                <a:extLst>
+                  <a:ext uri="{0D108BD9-81ED-4DB2-BD59-A6C34878D82A}">
+                    <a16:rowId xmlns:a16="http://schemas.microsoft.com/office/drawing/2014/main" val="1154362751"/>
+                  </a:ext>
+                </a:extLst>
+              </a:tr>
+              <a:tr h="326688">
+                <a:tc>
+                  <a:txBody>
+                    <a:bodyPr/>
+                    <a:lstStyle/>
+                    <a:p>
+                      <a:pPr algn="ctr"/>
+                      <a:endParaRPr lang="fi-FI" sz="1500" dirty="0"/>
+                    </a:p>
+                  </a:txBody>
+                  <a:tcPr anchor="ctr">
+                    <a:solidFill>
+                      <a:srgbClr val="00CD00"/>
+                    </a:solidFill>
+                  </a:tcPr>
+                </a:tc>
+                <a:tc>
+                  <a:txBody>
+                    <a:bodyPr/>
+                    <a:lstStyle/>
+                    <a:p>
+                      <a:pPr algn="ctr"/>
+                      <a:endParaRPr lang="fi-FI" sz="1500" dirty="0"/>
+                    </a:p>
+                  </a:txBody>
+                  <a:tcPr anchor="ctr">
+                    <a:solidFill>
+                      <a:srgbClr val="FF0000"/>
+                    </a:solidFill>
+                  </a:tcPr>
+                </a:tc>
+                <a:tc>
+                  <a:txBody>
+                    <a:bodyPr/>
+                    <a:lstStyle/>
+                    <a:p>
+                      <a:pPr algn="ctr"/>
+                      <a:endParaRPr lang="fi-FI" sz="1500" dirty="0"/>
+                    </a:p>
+                  </a:txBody>
+                  <a:tcPr anchor="ctr">
+                    <a:solidFill>
+                      <a:srgbClr val="0404FF"/>
+                    </a:solidFill>
+                  </a:tcPr>
+                </a:tc>
+                <a:tc>
+                  <a:txBody>
+                    <a:bodyPr/>
+                    <a:lstStyle/>
+                    <a:p>
+                      <a:pPr algn="ctr"/>
+                      <a:endParaRPr lang="fi-FI" sz="1500" dirty="0">
+                        <a:solidFill>
+                          <a:srgbClr val="B647B6"/>
+                        </a:solidFill>
+                      </a:endParaRPr>
+                    </a:p>
+                  </a:txBody>
+                  <a:tcPr anchor="ctr">
+                    <a:solidFill>
+                      <a:srgbClr val="912CEE"/>
+                    </a:solidFill>
+                  </a:tcPr>
+                </a:tc>
+                <a:tc>
+                  <a:txBody>
+                    <a:bodyPr/>
+                    <a:lstStyle/>
+                    <a:p>
+                      <a:pPr algn="ctr"/>
+                      <a:endParaRPr lang="fi-FI" sz="1500" dirty="0"/>
+                    </a:p>
+                  </a:txBody>
+                  <a:tcPr anchor="ctr">
+                    <a:lnB w="12700" cmpd="sng">
+                      <a:noFill/>
+                    </a:lnB>
+                  </a:tcPr>
+                </a:tc>
+                <a:tc>
+                  <a:txBody>
+                    <a:bodyPr/>
+                    <a:lstStyle/>
+                    <a:p>
+                      <a:pPr algn="ctr"/>
+                      <a:endParaRPr lang="fi-FI" sz="1500" dirty="0"/>
+                    </a:p>
+                  </a:txBody>
+                  <a:tcPr anchor="ctr">
+                    <a:solidFill>
+                      <a:srgbClr val="009E9E"/>
+                    </a:solidFill>
+                  </a:tcPr>
+                </a:tc>
+                <a:tc>
+                  <a:txBody>
+                    <a:bodyPr/>
+                    <a:lstStyle/>
+                    <a:p>
+                      <a:pPr algn="ctr"/>
+                      <a:endParaRPr lang="fi-FI" sz="1500" dirty="0"/>
+                    </a:p>
+                  </a:txBody>
+                  <a:tcPr anchor="ctr">
+                    <a:solidFill>
+                      <a:srgbClr val="FF00FF"/>
+                    </a:solidFill>
+                  </a:tcPr>
+                </a:tc>
+                <a:tc>
+                  <a:txBody>
+                    <a:bodyPr/>
+                    <a:lstStyle/>
+                    <a:p>
+                      <a:pPr algn="ctr"/>
+                      <a:endParaRPr lang="fi-FI" sz="1500" dirty="0"/>
+                    </a:p>
+                  </a:txBody>
+                  <a:tcPr anchor="ctr">
+                    <a:solidFill>
+                      <a:srgbClr val="EE9A00"/>
+                    </a:solidFill>
+                  </a:tcPr>
+                </a:tc>
+                <a:tc>
+                  <a:txBody>
+                    <a:bodyPr/>
+                    <a:lstStyle/>
+                    <a:p>
+                      <a:pPr algn="ctr"/>
+                      <a:endParaRPr lang="fi-FI" sz="1500" dirty="0"/>
+                    </a:p>
+                  </a:txBody>
+                  <a:tcPr anchor="ctr">
+                    <a:solidFill>
+                      <a:srgbClr val="8B8B00"/>
+                    </a:solidFill>
+                  </a:tcPr>
+                </a:tc>
+                <a:extLst>
+                  <a:ext uri="{0D108BD9-81ED-4DB2-BD59-A6C34878D82A}">
+                    <a16:rowId xmlns:a16="http://schemas.microsoft.com/office/drawing/2014/main" val="54185352"/>
+                  </a:ext>
+                </a:extLst>
+              </a:tr>
+            </a:tbl>
+          </a:graphicData>
+        </a:graphic>
+      </p:graphicFrame>
+      <p:cxnSp>
+        <p:nvCxnSpPr>
+          <p:cNvPr id="232" name="Straight Arrow Connector 231"/>
+          <p:cNvCxnSpPr/>
+          <p:nvPr/>
+        </p:nvCxnSpPr>
+        <p:spPr>
+          <a:xfrm>
+            <a:off x="10316326" y="3376240"/>
+            <a:ext cx="1080000" cy="0"/>
+          </a:xfrm>
+          <a:prstGeom prst="straightConnector1">
+            <a:avLst/>
+          </a:prstGeom>
+          <a:ln w="76200">
+            <a:solidFill>
+              <a:srgbClr val="729FCF"/>
+            </a:solidFill>
+            <a:headEnd type="none"/>
+            <a:tailEnd type="stealth" w="lg" len="lg"/>
+          </a:ln>
+        </p:spPr>
+        <p:style>
+          <a:lnRef idx="1">
+            <a:schemeClr val="accent1"/>
+          </a:lnRef>
+          <a:fillRef idx="0">
+            <a:schemeClr val="accent1"/>
+          </a:fillRef>
+          <a:effectRef idx="0">
+            <a:schemeClr val="accent1"/>
+          </a:effectRef>
+          <a:fontRef idx="minor">
+            <a:schemeClr val="tx1"/>
+          </a:fontRef>
+        </p:style>
+      </p:cxnSp>
+      <p:cxnSp>
+        <p:nvCxnSpPr>
+          <p:cNvPr id="233" name="Straight Arrow Connector 232"/>
+          <p:cNvCxnSpPr/>
+          <p:nvPr/>
+        </p:nvCxnSpPr>
+        <p:spPr>
+          <a:xfrm flipH="1" flipV="1">
+            <a:off x="8997484" y="3376240"/>
+            <a:ext cx="1080000" cy="0"/>
+          </a:xfrm>
+          <a:prstGeom prst="straightConnector1">
+            <a:avLst/>
+          </a:prstGeom>
+          <a:ln w="76200">
+            <a:solidFill>
+              <a:srgbClr val="FF8000"/>
+            </a:solidFill>
+            <a:headEnd type="none"/>
+            <a:tailEnd type="stealth" w="lg" len="lg"/>
+          </a:ln>
+        </p:spPr>
+        <p:style>
+          <a:lnRef idx="1">
+            <a:schemeClr val="accent1"/>
+          </a:lnRef>
+          <a:fillRef idx="0">
+            <a:schemeClr val="accent1"/>
+          </a:fillRef>
+          <a:effectRef idx="0">
+            <a:schemeClr val="accent1"/>
+          </a:effectRef>
+          <a:fontRef idx="minor">
+            <a:schemeClr val="tx1"/>
+          </a:fontRef>
+        </p:style>
+      </p:cxnSp>
+      <p:graphicFrame>
+        <p:nvGraphicFramePr>
+          <p:cNvPr id="242" name="Table 241"/>
+          <p:cNvGraphicFramePr>
+            <a:graphicFrameLocks noGrp="1"/>
+          </p:cNvGraphicFramePr>
+          <p:nvPr>
+            <p:extLst>
+              <p:ext uri="{D42A27DB-BD31-4B8C-83A1-F6EECF244321}">
+                <p14:modId xmlns:p14="http://schemas.microsoft.com/office/powerpoint/2010/main" val="1414742577"/>
+              </p:ext>
+            </p:extLst>
+          </p:nvPr>
+        </p:nvGraphicFramePr>
+        <p:xfrm>
+          <a:off x="159321" y="586651"/>
+          <a:ext cx="3401795" cy="3092920"/>
+        </p:xfrm>
+        <a:graphic>
+          <a:graphicData uri="http://schemas.openxmlformats.org/drawingml/2006/table">
+            <a:tbl>
+              <a:tblPr firstRow="1" bandRow="1">
+                <a:tableStyleId>{5940675A-B579-460E-94D1-54222C63F5DA}</a:tableStyleId>
+              </a:tblPr>
+              <a:tblGrid>
+                <a:gridCol w="2094081">
+                  <a:extLst>
+                    <a:ext uri="{9D8B030D-6E8A-4147-A177-3AD203B41FA5}">
+                      <a16:colId xmlns:a16="http://schemas.microsoft.com/office/drawing/2014/main" val="3281483992"/>
+                    </a:ext>
+                  </a:extLst>
+                </a:gridCol>
+                <a:gridCol w="1307714">
+                  <a:extLst>
+                    <a:ext uri="{9D8B030D-6E8A-4147-A177-3AD203B41FA5}">
+                      <a16:colId xmlns:a16="http://schemas.microsoft.com/office/drawing/2014/main" val="1764714392"/>
+                    </a:ext>
+                  </a:extLst>
+                </a:gridCol>
+              </a:tblGrid>
+              <a:tr h="335280">
+                <a:tc>
+                  <a:txBody>
+                    <a:bodyPr/>
+                    <a:lstStyle/>
+                    <a:p>
+                      <a:pPr algn="l"/>
+                      <a:r>
+                        <a:rPr lang="fi-FI" sz="1500" b="1" dirty="0" err="1" smtClean="0">
+                          <a:latin typeface="Arial" panose="020B0604020202020204" pitchFamily="34" charset="0"/>
+                          <a:cs typeface="Arial" panose="020B0604020202020204" pitchFamily="34" charset="0"/>
+                        </a:rPr>
+                        <a:t>Subgroup</a:t>
+                      </a:r>
+                      <a:endParaRPr lang="fi-FI" sz="1500" b="1" dirty="0">
+                        <a:latin typeface="Arial" panose="020B0604020202020204" pitchFamily="34" charset="0"/>
+                        <a:cs typeface="Arial" panose="020B0604020202020204" pitchFamily="34" charset="0"/>
+                      </a:endParaRPr>
+                    </a:p>
+                  </a:txBody>
+                  <a:tcPr anchor="ctr">
+                    <a:lnL w="19050" cap="flat" cmpd="sng" algn="ctr">
+                      <a:solidFill>
+                        <a:schemeClr val="tx1"/>
+                      </a:solidFill>
+                      <a:prstDash val="solid"/>
+                      <a:round/>
+                      <a:headEnd type="none" w="med" len="med"/>
+                      <a:tailEnd type="none" w="med" len="med"/>
+                    </a:lnL>
+                    <a:lnR w="19050" cap="flat" cmpd="sng" algn="ctr">
+                      <a:solidFill>
+                        <a:schemeClr val="tx1"/>
+                      </a:solidFill>
+                      <a:prstDash val="solid"/>
+                      <a:round/>
+                      <a:headEnd type="none" w="med" len="med"/>
+                      <a:tailEnd type="none" w="med" len="med"/>
+                    </a:lnR>
+                    <a:lnT w="19050" cap="flat" cmpd="sng" algn="ctr">
+                      <a:solidFill>
+                        <a:schemeClr val="tx1"/>
+                      </a:solidFill>
+                      <a:prstDash val="solid"/>
+                      <a:round/>
+                      <a:headEnd type="none" w="med" len="med"/>
+                      <a:tailEnd type="none" w="med" len="med"/>
+                    </a:lnT>
+                    <a:lnB w="19050" cap="flat" cmpd="sng" algn="ctr">
+                      <a:solidFill>
+                        <a:schemeClr val="tx1"/>
+                      </a:solidFill>
+                      <a:prstDash val="solid"/>
+                      <a:round/>
+                      <a:headEnd type="none" w="med" len="med"/>
+                      <a:tailEnd type="none" w="med" len="med"/>
+                    </a:lnB>
+                  </a:tcPr>
+                </a:tc>
+                <a:tc>
+                  <a:txBody>
+                    <a:bodyPr/>
+                    <a:lstStyle/>
+                    <a:p>
+                      <a:pPr algn="l"/>
+                      <a:r>
+                        <a:rPr lang="fi-FI" sz="1500" b="1" dirty="0" err="1" smtClean="0">
+                          <a:latin typeface="Arial" panose="020B0604020202020204" pitchFamily="34" charset="0"/>
+                          <a:cs typeface="Arial" panose="020B0604020202020204" pitchFamily="34" charset="0"/>
+                        </a:rPr>
+                        <a:t>Scop</a:t>
+                      </a:r>
+                      <a:r>
+                        <a:rPr lang="fi-FI" sz="1500" b="1" baseline="0" dirty="0" smtClean="0">
+                          <a:latin typeface="Arial" panose="020B0604020202020204" pitchFamily="34" charset="0"/>
+                          <a:cs typeface="Arial" panose="020B0604020202020204" pitchFamily="34" charset="0"/>
+                        </a:rPr>
+                        <a:t> ID</a:t>
+                      </a:r>
+                      <a:endParaRPr lang="fi-FI" sz="1500" b="1" dirty="0">
+                        <a:latin typeface="Arial" panose="020B0604020202020204" pitchFamily="34" charset="0"/>
+                        <a:cs typeface="Arial" panose="020B0604020202020204" pitchFamily="34" charset="0"/>
+                      </a:endParaRPr>
+                    </a:p>
+                  </a:txBody>
+                  <a:tcPr anchor="ctr">
+                    <a:lnL w="19050" cap="flat" cmpd="sng" algn="ctr">
+                      <a:solidFill>
+                        <a:schemeClr val="tx1"/>
+                      </a:solidFill>
+                      <a:prstDash val="solid"/>
+                      <a:round/>
+                      <a:headEnd type="none" w="med" len="med"/>
+                      <a:tailEnd type="none" w="med" len="med"/>
+                    </a:lnL>
+                    <a:lnR w="19050" cap="flat" cmpd="sng" algn="ctr">
+                      <a:solidFill>
+                        <a:schemeClr val="tx1"/>
+                      </a:solidFill>
+                      <a:prstDash val="solid"/>
+                      <a:round/>
+                      <a:headEnd type="none" w="med" len="med"/>
+                      <a:tailEnd type="none" w="med" len="med"/>
+                    </a:lnR>
+                    <a:lnT w="19050" cap="flat" cmpd="sng" algn="ctr">
+                      <a:solidFill>
+                        <a:schemeClr val="tx1"/>
+                      </a:solidFill>
+                      <a:prstDash val="solid"/>
+                      <a:round/>
+                      <a:headEnd type="none" w="med" len="med"/>
+                      <a:tailEnd type="none" w="med" len="med"/>
+                    </a:lnT>
+                    <a:lnB w="19050" cap="flat" cmpd="sng" algn="ctr">
+                      <a:solidFill>
+                        <a:schemeClr val="tx1"/>
+                      </a:solidFill>
+                      <a:prstDash val="solid"/>
+                      <a:round/>
+                      <a:headEnd type="none" w="med" len="med"/>
+                      <a:tailEnd type="none" w="med" len="med"/>
+                    </a:lnB>
+                  </a:tcPr>
+                </a:tc>
+                <a:extLst>
+                  <a:ext uri="{0D108BD9-81ED-4DB2-BD59-A6C34878D82A}">
+                    <a16:rowId xmlns:a16="http://schemas.microsoft.com/office/drawing/2014/main" val="3006827517"/>
+                  </a:ext>
+                </a:extLst>
+              </a:tr>
+              <a:tr h="453044">
+                <a:tc>
+                  <a:txBody>
+                    <a:bodyPr/>
+                    <a:lstStyle/>
+                    <a:p>
+                      <a:pPr algn="l"/>
+                      <a:r>
+                        <a:rPr lang="fi-FI" sz="1400" b="1" dirty="0" err="1" smtClean="0">
+                          <a:solidFill>
+                            <a:srgbClr val="970097"/>
+                          </a:solidFill>
+                          <a:latin typeface="Arial" panose="020B0604020202020204" pitchFamily="34" charset="0"/>
+                          <a:cs typeface="Arial" panose="020B0604020202020204" pitchFamily="34" charset="0"/>
+                        </a:rPr>
+                        <a:t>Rubrerythrins</a:t>
+                      </a:r>
+                      <a:endParaRPr lang="fi-FI" sz="1400" b="1" dirty="0">
+                        <a:solidFill>
+                          <a:srgbClr val="FF0000"/>
+                        </a:solidFill>
+                        <a:latin typeface="Arial" panose="020B0604020202020204" pitchFamily="34" charset="0"/>
+                        <a:cs typeface="Arial" panose="020B0604020202020204" pitchFamily="34" charset="0"/>
+                      </a:endParaRPr>
+                    </a:p>
+                  </a:txBody>
+                  <a:tcPr anchor="ctr">
+                    <a:lnL w="19050" cap="flat" cmpd="sng" algn="ctr">
+                      <a:solidFill>
+                        <a:schemeClr val="tx1"/>
+                      </a:solidFill>
+                      <a:prstDash val="solid"/>
+                      <a:round/>
+                      <a:headEnd type="none" w="med" len="med"/>
+                      <a:tailEnd type="none" w="med" len="med"/>
+                    </a:lnL>
+                    <a:lnR w="19050" cap="flat" cmpd="sng" algn="ctr">
+                      <a:solidFill>
+                        <a:schemeClr val="tx1"/>
+                      </a:solidFill>
+                      <a:prstDash val="solid"/>
+                      <a:round/>
+                      <a:headEnd type="none" w="med" len="med"/>
+                      <a:tailEnd type="none" w="med" len="med"/>
+                    </a:lnR>
+                    <a:lnT w="19050" cap="flat" cmpd="sng" algn="ctr">
+                      <a:solidFill>
+                        <a:schemeClr val="tx1"/>
+                      </a:solidFill>
+                      <a:prstDash val="solid"/>
+                      <a:round/>
+                      <a:headEnd type="none" w="med" len="med"/>
+                      <a:tailEnd type="none" w="med" len="med"/>
+                    </a:lnT>
+                    <a:lnB w="19050" cap="flat" cmpd="sng" algn="ctr">
+                      <a:solidFill>
+                        <a:schemeClr val="tx1"/>
+                      </a:solidFill>
+                      <a:prstDash val="solid"/>
+                      <a:round/>
+                      <a:headEnd type="none" w="med" len="med"/>
+                      <a:tailEnd type="none" w="med" len="med"/>
+                    </a:lnB>
+                  </a:tcPr>
+                </a:tc>
+                <a:tc rowSpan="4">
+                  <a:txBody>
+                    <a:bodyPr/>
+                    <a:lstStyle/>
+                    <a:p>
+                      <a:pPr algn="l"/>
+                      <a:r>
+                        <a:rPr lang="fi-FI" sz="1800" b="1" dirty="0" smtClean="0">
+                          <a:solidFill>
+                            <a:schemeClr val="tx1"/>
+                          </a:solidFill>
+                          <a:latin typeface="Arial" panose="020B0604020202020204" pitchFamily="34" charset="0"/>
+                          <a:cs typeface="Arial" panose="020B0604020202020204" pitchFamily="34" charset="0"/>
+                        </a:rPr>
+                        <a:t>a.25.1.1</a:t>
+                      </a:r>
+                    </a:p>
+                    <a:p>
+                      <a:pPr marL="0" marR="0" lvl="0" indent="0" algn="l" defTabSz="914400" rtl="0" eaLnBrk="1" fontAlgn="auto" latinLnBrk="0" hangingPunct="1">
+                        <a:lnSpc>
+                          <a:spcPct val="100000"/>
+                        </a:lnSpc>
+                        <a:spcBef>
+                          <a:spcPts val="0"/>
+                        </a:spcBef>
+                        <a:spcAft>
+                          <a:spcPts val="0"/>
+                        </a:spcAft>
+                        <a:buClrTx/>
+                        <a:buSzTx/>
+                        <a:buFontTx/>
+                        <a:buNone/>
+                        <a:tabLst/>
+                        <a:defRPr/>
+                      </a:pPr>
+                      <a:r>
+                        <a:rPr lang="en-US" sz="1500" b="1" dirty="0" smtClean="0">
+                          <a:solidFill>
+                            <a:srgbClr val="000000"/>
+                          </a:solidFill>
+                          <a:latin typeface="Arial" panose="020B0604020202020204" pitchFamily="34" charset="0"/>
+                          <a:ea typeface="+mn-ea"/>
+                          <a:cs typeface="Arial" panose="020B0604020202020204" pitchFamily="34" charset="0"/>
+                        </a:rPr>
+                        <a:t>Ferritins</a:t>
+                      </a:r>
+                      <a:endParaRPr lang="fi-FI" sz="1500" dirty="0" smtClean="0">
+                        <a:latin typeface="Arial" panose="020B0604020202020204" pitchFamily="34" charset="0"/>
+                        <a:ea typeface="Calibri" panose="020F0502020204030204" pitchFamily="34" charset="0"/>
+                        <a:cs typeface="Arial" panose="020B0604020202020204" pitchFamily="34" charset="0"/>
+                      </a:endParaRPr>
+                    </a:p>
+                    <a:p>
+                      <a:pPr algn="l"/>
+                      <a:endParaRPr lang="fi-FI" sz="1800" b="1" dirty="0">
+                        <a:solidFill>
+                          <a:schemeClr val="tx1"/>
+                        </a:solidFill>
+                        <a:latin typeface="Arial" panose="020B0604020202020204" pitchFamily="34" charset="0"/>
+                        <a:cs typeface="Arial" panose="020B0604020202020204" pitchFamily="34" charset="0"/>
+                      </a:endParaRPr>
+                    </a:p>
+                  </a:txBody>
+                  <a:tcPr anchor="ctr">
+                    <a:lnL w="19050" cap="flat" cmpd="sng" algn="ctr">
+                      <a:solidFill>
+                        <a:schemeClr val="tx1"/>
+                      </a:solidFill>
+                      <a:prstDash val="solid"/>
+                      <a:round/>
+                      <a:headEnd type="none" w="med" len="med"/>
+                      <a:tailEnd type="none" w="med" len="med"/>
+                    </a:lnL>
+                    <a:lnR w="19050" cap="flat" cmpd="sng" algn="ctr">
+                      <a:solidFill>
+                        <a:schemeClr val="tx1"/>
+                      </a:solidFill>
+                      <a:prstDash val="solid"/>
+                      <a:round/>
+                      <a:headEnd type="none" w="med" len="med"/>
+                      <a:tailEnd type="none" w="med" len="med"/>
+                    </a:lnR>
+                    <a:lnT w="19050" cap="flat" cmpd="sng" algn="ctr">
+                      <a:solidFill>
+                        <a:schemeClr val="tx1"/>
+                      </a:solidFill>
+                      <a:prstDash val="solid"/>
+                      <a:round/>
+                      <a:headEnd type="none" w="med" len="med"/>
+                      <a:tailEnd type="none" w="med" len="med"/>
+                    </a:lnT>
+                    <a:lnB w="19050" cap="flat" cmpd="sng" algn="ctr">
+                      <a:solidFill>
+                        <a:schemeClr val="tx1"/>
+                      </a:solidFill>
+                      <a:prstDash val="solid"/>
+                      <a:round/>
+                      <a:headEnd type="none" w="med" len="med"/>
+                      <a:tailEnd type="none" w="med" len="med"/>
+                    </a:lnB>
+                  </a:tcPr>
+                </a:tc>
+                <a:extLst>
+                  <a:ext uri="{0D108BD9-81ED-4DB2-BD59-A6C34878D82A}">
+                    <a16:rowId xmlns:a16="http://schemas.microsoft.com/office/drawing/2014/main" val="3489370006"/>
+                  </a:ext>
+                </a:extLst>
+              </a:tr>
+              <a:tr h="308592">
+                <a:tc>
+                  <a:txBody>
+                    <a:bodyPr/>
+                    <a:lstStyle/>
+                    <a:p>
+                      <a:pPr algn="l"/>
+                      <a:r>
+                        <a:rPr lang="fi-FI" sz="1400" b="1" dirty="0" err="1" smtClean="0">
+                          <a:solidFill>
+                            <a:srgbClr val="2F2FFF"/>
+                          </a:solidFill>
+                          <a:latin typeface="Arial" panose="020B0604020202020204" pitchFamily="34" charset="0"/>
+                          <a:cs typeface="Arial" panose="020B0604020202020204" pitchFamily="34" charset="0"/>
+                        </a:rPr>
+                        <a:t>Ferritin</a:t>
+                      </a:r>
+                      <a:endParaRPr lang="fi-FI" sz="1400" b="1" dirty="0">
+                        <a:solidFill>
+                          <a:srgbClr val="35D581"/>
+                        </a:solidFill>
+                        <a:latin typeface="Arial" panose="020B0604020202020204" pitchFamily="34" charset="0"/>
+                        <a:cs typeface="Arial" panose="020B0604020202020204" pitchFamily="34" charset="0"/>
+                      </a:endParaRPr>
+                    </a:p>
+                  </a:txBody>
+                  <a:tcPr anchor="ctr">
+                    <a:lnL w="19050" cap="flat" cmpd="sng" algn="ctr">
+                      <a:solidFill>
+                        <a:schemeClr val="tx1"/>
+                      </a:solidFill>
+                      <a:prstDash val="solid"/>
+                      <a:round/>
+                      <a:headEnd type="none" w="med" len="med"/>
+                      <a:tailEnd type="none" w="med" len="med"/>
+                    </a:lnL>
+                    <a:lnR w="19050" cap="flat" cmpd="sng" algn="ctr">
+                      <a:solidFill>
+                        <a:schemeClr val="tx1"/>
+                      </a:solidFill>
+                      <a:prstDash val="solid"/>
+                      <a:round/>
+                      <a:headEnd type="none" w="med" len="med"/>
+                      <a:tailEnd type="none" w="med" len="med"/>
+                    </a:lnR>
+                    <a:lnT w="19050" cap="flat" cmpd="sng" algn="ctr">
+                      <a:solidFill>
+                        <a:schemeClr val="tx1"/>
+                      </a:solidFill>
+                      <a:prstDash val="solid"/>
+                      <a:round/>
+                      <a:headEnd type="none" w="med" len="med"/>
+                      <a:tailEnd type="none" w="med" len="med"/>
+                    </a:lnT>
+                    <a:lnB w="19050" cap="flat" cmpd="sng" algn="ctr">
+                      <a:solidFill>
+                        <a:schemeClr val="tx1"/>
+                      </a:solidFill>
+                      <a:prstDash val="solid"/>
+                      <a:round/>
+                      <a:headEnd type="none" w="med" len="med"/>
+                      <a:tailEnd type="none" w="med" len="med"/>
+                    </a:lnB>
+                  </a:tcPr>
+                </a:tc>
+                <a:tc vMerge="1">
+                  <a:txBody>
+                    <a:bodyPr/>
+                    <a:lstStyle/>
+                    <a:p>
+                      <a:pPr marL="0" marR="0" lvl="0" indent="0" algn="ctr" defTabSz="914400" rtl="0" eaLnBrk="1" fontAlgn="auto" latinLnBrk="0" hangingPunct="1">
+                        <a:lnSpc>
+                          <a:spcPct val="100000"/>
+                        </a:lnSpc>
+                        <a:spcBef>
+                          <a:spcPts val="0"/>
+                        </a:spcBef>
+                        <a:spcAft>
+                          <a:spcPts val="0"/>
+                        </a:spcAft>
+                        <a:buClrTx/>
+                        <a:buSzTx/>
+                        <a:buFontTx/>
+                        <a:buNone/>
+                        <a:tabLst/>
+                        <a:defRPr/>
+                      </a:pPr>
+                      <a:endParaRPr lang="fi-FI" sz="1000" dirty="0" smtClean="0">
+                        <a:solidFill>
+                          <a:schemeClr val="tx1"/>
+                        </a:solidFill>
+                      </a:endParaRPr>
+                    </a:p>
+                  </a:txBody>
+                  <a:tcPr anchor="ctr">
+                    <a:lnL w="12700" cap="flat" cmpd="sng" algn="ctr">
+                      <a:solidFill>
+                        <a:schemeClr val="bg1">
+                          <a:lumMod val="75000"/>
+                        </a:schemeClr>
+                      </a:solidFill>
+                      <a:prstDash val="solid"/>
+                      <a:round/>
+                      <a:headEnd type="none" w="med" len="med"/>
+                      <a:tailEnd type="none" w="med" len="med"/>
+                    </a:lnL>
+                    <a:lnR w="12700" cap="flat" cmpd="sng" algn="ctr">
+                      <a:solidFill>
+                        <a:schemeClr val="bg1">
+                          <a:lumMod val="75000"/>
+                        </a:schemeClr>
+                      </a:solidFill>
+                      <a:prstDash val="solid"/>
+                      <a:round/>
+                      <a:headEnd type="none" w="med" len="med"/>
+                      <a:tailEnd type="none" w="med" len="med"/>
+                    </a:lnR>
+                    <a:lnT w="12700" cap="flat" cmpd="sng" algn="ctr">
+                      <a:solidFill>
+                        <a:schemeClr val="bg1">
+                          <a:lumMod val="75000"/>
+                        </a:schemeClr>
+                      </a:solidFill>
+                      <a:prstDash val="solid"/>
+                      <a:round/>
+                      <a:headEnd type="none" w="med" len="med"/>
+                      <a:tailEnd type="none" w="med" len="med"/>
+                    </a:lnT>
+                    <a:lnB w="12700" cap="flat" cmpd="sng" algn="ctr">
+                      <a:solidFill>
+                        <a:schemeClr val="bg1">
+                          <a:lumMod val="75000"/>
+                        </a:schemeClr>
+                      </a:solidFill>
+                      <a:prstDash val="solid"/>
+                      <a:round/>
+                      <a:headEnd type="none" w="med" len="med"/>
+                      <a:tailEnd type="none" w="med" len="med"/>
+                    </a:lnB>
+                  </a:tcPr>
+                </a:tc>
+                <a:extLst>
+                  <a:ext uri="{0D108BD9-81ED-4DB2-BD59-A6C34878D82A}">
+                    <a16:rowId xmlns:a16="http://schemas.microsoft.com/office/drawing/2014/main" val="3534345082"/>
+                  </a:ext>
+                </a:extLst>
+              </a:tr>
+              <a:tr h="308592">
+                <a:tc>
+                  <a:txBody>
+                    <a:bodyPr/>
+                    <a:lstStyle/>
+                    <a:p>
+                      <a:pPr algn="l"/>
+                      <a:r>
+                        <a:rPr lang="fi-FI" sz="1400" b="1" dirty="0" err="1" smtClean="0">
+                          <a:solidFill>
+                            <a:srgbClr val="FF0000"/>
+                          </a:solidFill>
+                          <a:latin typeface="Arial" panose="020B0604020202020204" pitchFamily="34" charset="0"/>
+                          <a:cs typeface="Arial" panose="020B0604020202020204" pitchFamily="34" charset="0"/>
+                        </a:rPr>
+                        <a:t>Bacterioferirtin</a:t>
+                      </a:r>
+                      <a:endParaRPr lang="fi-FI" sz="1400" b="1" dirty="0">
+                        <a:solidFill>
+                          <a:srgbClr val="2F2FFF"/>
+                        </a:solidFill>
+                        <a:latin typeface="Arial" panose="020B0604020202020204" pitchFamily="34" charset="0"/>
+                        <a:cs typeface="Arial" panose="020B0604020202020204" pitchFamily="34" charset="0"/>
+                      </a:endParaRPr>
+                    </a:p>
+                  </a:txBody>
+                  <a:tcPr anchor="ctr">
+                    <a:lnL w="19050" cap="flat" cmpd="sng" algn="ctr">
+                      <a:solidFill>
+                        <a:schemeClr val="tx1"/>
+                      </a:solidFill>
+                      <a:prstDash val="solid"/>
+                      <a:round/>
+                      <a:headEnd type="none" w="med" len="med"/>
+                      <a:tailEnd type="none" w="med" len="med"/>
+                    </a:lnL>
+                    <a:lnR w="19050" cap="flat" cmpd="sng" algn="ctr">
+                      <a:solidFill>
+                        <a:schemeClr val="tx1"/>
+                      </a:solidFill>
+                      <a:prstDash val="solid"/>
+                      <a:round/>
+                      <a:headEnd type="none" w="med" len="med"/>
+                      <a:tailEnd type="none" w="med" len="med"/>
+                    </a:lnR>
+                    <a:lnT w="19050" cap="flat" cmpd="sng" algn="ctr">
+                      <a:solidFill>
+                        <a:schemeClr val="tx1"/>
+                      </a:solidFill>
+                      <a:prstDash val="solid"/>
+                      <a:round/>
+                      <a:headEnd type="none" w="med" len="med"/>
+                      <a:tailEnd type="none" w="med" len="med"/>
+                    </a:lnT>
+                    <a:lnB w="19050" cap="flat" cmpd="sng" algn="ctr">
+                      <a:solidFill>
+                        <a:schemeClr val="tx1"/>
+                      </a:solidFill>
+                      <a:prstDash val="solid"/>
+                      <a:round/>
+                      <a:headEnd type="none" w="med" len="med"/>
+                      <a:tailEnd type="none" w="med" len="med"/>
+                    </a:lnB>
+                  </a:tcPr>
+                </a:tc>
+                <a:tc vMerge="1">
+                  <a:txBody>
+                    <a:bodyPr/>
+                    <a:lstStyle/>
+                    <a:p>
+                      <a:pPr marL="0" marR="0" lvl="0" indent="0" algn="ctr" defTabSz="914400" rtl="0" eaLnBrk="1" fontAlgn="auto" latinLnBrk="0" hangingPunct="1">
+                        <a:lnSpc>
+                          <a:spcPct val="100000"/>
+                        </a:lnSpc>
+                        <a:spcBef>
+                          <a:spcPts val="0"/>
+                        </a:spcBef>
+                        <a:spcAft>
+                          <a:spcPts val="0"/>
+                        </a:spcAft>
+                        <a:buClrTx/>
+                        <a:buSzTx/>
+                        <a:buFontTx/>
+                        <a:buNone/>
+                        <a:tabLst/>
+                        <a:defRPr/>
+                      </a:pPr>
+                      <a:endParaRPr lang="fi-FI" sz="1000" dirty="0" smtClean="0">
+                        <a:solidFill>
+                          <a:schemeClr val="tx1"/>
+                        </a:solidFill>
+                      </a:endParaRPr>
+                    </a:p>
+                  </a:txBody>
+                  <a:tcPr anchor="ctr">
+                    <a:lnL w="12700" cap="flat" cmpd="sng" algn="ctr">
+                      <a:solidFill>
+                        <a:schemeClr val="bg1">
+                          <a:lumMod val="75000"/>
+                        </a:schemeClr>
+                      </a:solidFill>
+                      <a:prstDash val="solid"/>
+                      <a:round/>
+                      <a:headEnd type="none" w="med" len="med"/>
+                      <a:tailEnd type="none" w="med" len="med"/>
+                    </a:lnL>
+                    <a:lnR w="12700" cap="flat" cmpd="sng" algn="ctr">
+                      <a:solidFill>
+                        <a:schemeClr val="bg1">
+                          <a:lumMod val="75000"/>
+                        </a:schemeClr>
+                      </a:solidFill>
+                      <a:prstDash val="solid"/>
+                      <a:round/>
+                      <a:headEnd type="none" w="med" len="med"/>
+                      <a:tailEnd type="none" w="med" len="med"/>
+                    </a:lnR>
+                    <a:lnT w="12700" cap="flat" cmpd="sng" algn="ctr">
+                      <a:solidFill>
+                        <a:schemeClr val="bg1">
+                          <a:lumMod val="75000"/>
+                        </a:schemeClr>
+                      </a:solidFill>
+                      <a:prstDash val="solid"/>
+                      <a:round/>
+                      <a:headEnd type="none" w="med" len="med"/>
+                      <a:tailEnd type="none" w="med" len="med"/>
+                    </a:lnT>
+                    <a:lnB w="12700" cap="flat" cmpd="sng" algn="ctr">
+                      <a:solidFill>
+                        <a:schemeClr val="bg1">
+                          <a:lumMod val="75000"/>
+                        </a:schemeClr>
+                      </a:solidFill>
+                      <a:prstDash val="solid"/>
+                      <a:round/>
+                      <a:headEnd type="none" w="med" len="med"/>
+                      <a:tailEnd type="none" w="med" len="med"/>
+                    </a:lnB>
+                  </a:tcPr>
+                </a:tc>
+                <a:extLst>
+                  <a:ext uri="{0D108BD9-81ED-4DB2-BD59-A6C34878D82A}">
+                    <a16:rowId xmlns:a16="http://schemas.microsoft.com/office/drawing/2014/main" val="1483979081"/>
+                  </a:ext>
+                </a:extLst>
+              </a:tr>
+              <a:tr h="308592">
+                <a:tc>
+                  <a:txBody>
+                    <a:bodyPr/>
+                    <a:lstStyle/>
+                    <a:p>
+                      <a:pPr algn="l"/>
+                      <a:r>
+                        <a:rPr lang="fi-FI" sz="1400" b="1" dirty="0" err="1" smtClean="0">
+                          <a:solidFill>
+                            <a:srgbClr val="35D581"/>
+                          </a:solidFill>
+                          <a:latin typeface="Arial" panose="020B0604020202020204" pitchFamily="34" charset="0"/>
+                          <a:cs typeface="Arial" panose="020B0604020202020204" pitchFamily="34" charset="0"/>
+                        </a:rPr>
+                        <a:t>Dps</a:t>
+                      </a:r>
+                      <a:endParaRPr lang="fi-FI" sz="1400" b="1" dirty="0">
+                        <a:solidFill>
+                          <a:srgbClr val="970097"/>
+                        </a:solidFill>
+                        <a:latin typeface="Arial" panose="020B0604020202020204" pitchFamily="34" charset="0"/>
+                        <a:cs typeface="Arial" panose="020B0604020202020204" pitchFamily="34" charset="0"/>
+                      </a:endParaRPr>
+                    </a:p>
+                  </a:txBody>
+                  <a:tcPr anchor="ctr">
+                    <a:lnL w="19050" cap="flat" cmpd="sng" algn="ctr">
+                      <a:solidFill>
+                        <a:schemeClr val="tx1"/>
+                      </a:solidFill>
+                      <a:prstDash val="solid"/>
+                      <a:round/>
+                      <a:headEnd type="none" w="med" len="med"/>
+                      <a:tailEnd type="none" w="med" len="med"/>
+                    </a:lnL>
+                    <a:lnR w="19050" cap="flat" cmpd="sng" algn="ctr">
+                      <a:solidFill>
+                        <a:schemeClr val="tx1"/>
+                      </a:solidFill>
+                      <a:prstDash val="solid"/>
+                      <a:round/>
+                      <a:headEnd type="none" w="med" len="med"/>
+                      <a:tailEnd type="none" w="med" len="med"/>
+                    </a:lnR>
+                    <a:lnT w="19050" cap="flat" cmpd="sng" algn="ctr">
+                      <a:solidFill>
+                        <a:schemeClr val="tx1"/>
+                      </a:solidFill>
+                      <a:prstDash val="solid"/>
+                      <a:round/>
+                      <a:headEnd type="none" w="med" len="med"/>
+                      <a:tailEnd type="none" w="med" len="med"/>
+                    </a:lnT>
+                    <a:lnB w="19050" cap="flat" cmpd="sng" algn="ctr">
+                      <a:solidFill>
+                        <a:schemeClr val="tx1"/>
+                      </a:solidFill>
+                      <a:prstDash val="solid"/>
+                      <a:round/>
+                      <a:headEnd type="none" w="med" len="med"/>
+                      <a:tailEnd type="none" w="med" len="med"/>
+                    </a:lnB>
+                  </a:tcPr>
+                </a:tc>
+                <a:tc vMerge="1">
+                  <a:txBody>
+                    <a:bodyPr/>
+                    <a:lstStyle/>
+                    <a:p>
+                      <a:pPr algn="l"/>
+                      <a:endParaRPr lang="fi-FI" sz="1050" b="1" dirty="0">
+                        <a:solidFill>
+                          <a:schemeClr val="tx1"/>
+                        </a:solidFill>
+                        <a:latin typeface="Arial" panose="020B0604020202020204" pitchFamily="34" charset="0"/>
+                        <a:cs typeface="Arial" panose="020B0604020202020204" pitchFamily="34" charset="0"/>
+                      </a:endParaRPr>
+                    </a:p>
+                  </a:txBody>
+                  <a:tcPr anchor="ctr">
+                    <a:lnL w="19050" cap="flat" cmpd="sng" algn="ctr">
+                      <a:solidFill>
+                        <a:schemeClr val="tx1"/>
+                      </a:solidFill>
+                      <a:prstDash val="solid"/>
+                      <a:round/>
+                      <a:headEnd type="none" w="med" len="med"/>
+                      <a:tailEnd type="none" w="med" len="med"/>
+                    </a:lnL>
+                    <a:lnR w="19050" cap="flat" cmpd="sng" algn="ctr">
+                      <a:solidFill>
+                        <a:schemeClr val="tx1"/>
+                      </a:solidFill>
+                      <a:prstDash val="solid"/>
+                      <a:round/>
+                      <a:headEnd type="none" w="med" len="med"/>
+                      <a:tailEnd type="none" w="med" len="med"/>
+                    </a:lnR>
+                    <a:lnT w="19050" cap="flat" cmpd="sng" algn="ctr">
+                      <a:solidFill>
+                        <a:schemeClr val="tx1"/>
+                      </a:solidFill>
+                      <a:prstDash val="solid"/>
+                      <a:round/>
+                      <a:headEnd type="none" w="med" len="med"/>
+                      <a:tailEnd type="none" w="med" len="med"/>
+                    </a:lnT>
+                    <a:lnB w="19050" cap="flat" cmpd="sng" algn="ctr">
+                      <a:solidFill>
+                        <a:schemeClr val="tx1"/>
+                      </a:solidFill>
+                      <a:prstDash val="solid"/>
+                      <a:round/>
+                      <a:headEnd type="none" w="med" len="med"/>
+                      <a:tailEnd type="none" w="med" len="med"/>
+                    </a:lnB>
+                  </a:tcPr>
+                </a:tc>
+                <a:extLst>
+                  <a:ext uri="{0D108BD9-81ED-4DB2-BD59-A6C34878D82A}">
+                    <a16:rowId xmlns:a16="http://schemas.microsoft.com/office/drawing/2014/main" val="4251470325"/>
+                  </a:ext>
+                </a:extLst>
+              </a:tr>
+              <a:tr h="308592">
+                <a:tc>
+                  <a:txBody>
+                    <a:bodyPr/>
+                    <a:lstStyle/>
+                    <a:p>
+                      <a:pPr marL="0" marR="0" lvl="0" indent="0" algn="l" defTabSz="914400" rtl="0" eaLnBrk="1" fontAlgn="auto" latinLnBrk="0" hangingPunct="1">
+                        <a:lnSpc>
+                          <a:spcPct val="100000"/>
+                        </a:lnSpc>
+                        <a:spcBef>
+                          <a:spcPts val="0"/>
+                        </a:spcBef>
+                        <a:spcAft>
+                          <a:spcPts val="0"/>
+                        </a:spcAft>
+                        <a:buClrTx/>
+                        <a:buSzTx/>
+                        <a:buFontTx/>
+                        <a:buNone/>
+                        <a:tabLst/>
+                        <a:defRPr/>
+                      </a:pPr>
+                      <a:r>
+                        <a:rPr lang="fi-FI" sz="1400" b="1" dirty="0" err="1" smtClean="0">
+                          <a:solidFill>
+                            <a:srgbClr val="009595"/>
+                          </a:solidFill>
+                          <a:latin typeface="Arial" panose="020B0604020202020204" pitchFamily="34" charset="0"/>
+                          <a:cs typeface="Arial" panose="020B0604020202020204" pitchFamily="34" charset="0"/>
+                        </a:rPr>
+                        <a:t>Fatty</a:t>
+                      </a:r>
+                      <a:r>
+                        <a:rPr lang="fi-FI" sz="1400" b="1" dirty="0" smtClean="0">
+                          <a:solidFill>
+                            <a:srgbClr val="009595"/>
+                          </a:solidFill>
+                          <a:latin typeface="Arial" panose="020B0604020202020204" pitchFamily="34" charset="0"/>
+                          <a:cs typeface="Arial" panose="020B0604020202020204" pitchFamily="34" charset="0"/>
+                        </a:rPr>
+                        <a:t> </a:t>
+                      </a:r>
+                      <a:r>
+                        <a:rPr lang="fi-FI" sz="1400" b="1" dirty="0" err="1" smtClean="0">
+                          <a:solidFill>
+                            <a:srgbClr val="009595"/>
+                          </a:solidFill>
+                          <a:latin typeface="Arial" panose="020B0604020202020204" pitchFamily="34" charset="0"/>
+                          <a:cs typeface="Arial" panose="020B0604020202020204" pitchFamily="34" charset="0"/>
+                        </a:rPr>
+                        <a:t>acid</a:t>
+                      </a:r>
+                      <a:r>
+                        <a:rPr lang="fi-FI" sz="1400" b="1" dirty="0" smtClean="0">
+                          <a:solidFill>
+                            <a:srgbClr val="009595"/>
+                          </a:solidFill>
+                          <a:latin typeface="Arial" panose="020B0604020202020204" pitchFamily="34" charset="0"/>
+                          <a:cs typeface="Arial" panose="020B0604020202020204" pitchFamily="34" charset="0"/>
+                        </a:rPr>
+                        <a:t> </a:t>
+                      </a:r>
+                      <a:r>
+                        <a:rPr lang="fi-FI" sz="1400" b="1" dirty="0" err="1" smtClean="0">
+                          <a:solidFill>
+                            <a:srgbClr val="009595"/>
+                          </a:solidFill>
+                          <a:latin typeface="Arial" panose="020B0604020202020204" pitchFamily="34" charset="0"/>
+                          <a:cs typeface="Arial" panose="020B0604020202020204" pitchFamily="34" charset="0"/>
+                        </a:rPr>
+                        <a:t>desaturase</a:t>
+                      </a:r>
+                      <a:endParaRPr lang="fi-FI" sz="1400" b="1" dirty="0" smtClean="0">
+                        <a:solidFill>
+                          <a:srgbClr val="009595"/>
+                        </a:solidFill>
+                        <a:latin typeface="Arial" panose="020B0604020202020204" pitchFamily="34" charset="0"/>
+                        <a:cs typeface="Arial" panose="020B0604020202020204" pitchFamily="34" charset="0"/>
+                      </a:endParaRPr>
+                    </a:p>
+                  </a:txBody>
+                  <a:tcPr anchor="ctr">
+                    <a:lnL w="19050" cap="flat" cmpd="sng" algn="ctr">
+                      <a:solidFill>
+                        <a:schemeClr val="tx1"/>
+                      </a:solidFill>
+                      <a:prstDash val="solid"/>
+                      <a:round/>
+                      <a:headEnd type="none" w="med" len="med"/>
+                      <a:tailEnd type="none" w="med" len="med"/>
+                    </a:lnL>
+                    <a:lnR w="19050" cap="flat" cmpd="sng" algn="ctr">
+                      <a:solidFill>
+                        <a:schemeClr val="tx1"/>
+                      </a:solidFill>
+                      <a:prstDash val="solid"/>
+                      <a:round/>
+                      <a:headEnd type="none" w="med" len="med"/>
+                      <a:tailEnd type="none" w="med" len="med"/>
+                    </a:lnR>
+                    <a:lnT w="19050" cap="flat" cmpd="sng" algn="ctr">
+                      <a:solidFill>
+                        <a:schemeClr val="tx1"/>
+                      </a:solidFill>
+                      <a:prstDash val="solid"/>
+                      <a:round/>
+                      <a:headEnd type="none" w="med" len="med"/>
+                      <a:tailEnd type="none" w="med" len="med"/>
+                    </a:lnT>
+                    <a:lnB w="19050" cap="flat" cmpd="sng" algn="ctr">
+                      <a:solidFill>
+                        <a:schemeClr val="tx1"/>
+                      </a:solidFill>
+                      <a:prstDash val="solid"/>
+                      <a:round/>
+                      <a:headEnd type="none" w="med" len="med"/>
+                      <a:tailEnd type="none" w="med" len="med"/>
+                    </a:lnB>
+                  </a:tcPr>
+                </a:tc>
+                <a:tc rowSpan="4">
+                  <a:txBody>
+                    <a:bodyPr/>
+                    <a:lstStyle/>
+                    <a:p>
+                      <a:pPr marL="0" algn="l" defTabSz="914400" rtl="0" eaLnBrk="1" latinLnBrk="0" hangingPunct="1"/>
+                      <a:r>
+                        <a:rPr lang="fi-FI" sz="1800" b="1" kern="1200" dirty="0" smtClean="0">
+                          <a:solidFill>
+                            <a:schemeClr val="tx1"/>
+                          </a:solidFill>
+                          <a:latin typeface="Arial" panose="020B0604020202020204" pitchFamily="34" charset="0"/>
+                          <a:ea typeface="+mn-ea"/>
+                          <a:cs typeface="Arial" panose="020B0604020202020204" pitchFamily="34" charset="0"/>
+                        </a:rPr>
+                        <a:t>a.25.1.2</a:t>
+                      </a:r>
+                    </a:p>
+                    <a:p>
+                      <a:pPr marL="0" algn="l" defTabSz="914400" rtl="0" eaLnBrk="1" latinLnBrk="0" hangingPunct="1"/>
+                      <a:r>
+                        <a:rPr lang="en-US" sz="1500" b="1" dirty="0" err="1" smtClean="0">
+                          <a:solidFill>
+                            <a:srgbClr val="000000"/>
+                          </a:solidFill>
+                          <a:latin typeface="Arial" panose="020B0604020202020204" pitchFamily="34" charset="0"/>
+                          <a:ea typeface="+mn-ea"/>
+                          <a:cs typeface="Arial" panose="020B0604020202020204" pitchFamily="34" charset="0"/>
+                        </a:rPr>
+                        <a:t>Ribo</a:t>
+                      </a:r>
+                      <a:endParaRPr lang="en-US" sz="1500" b="1" dirty="0" smtClean="0">
+                        <a:solidFill>
+                          <a:srgbClr val="000000"/>
+                        </a:solidFill>
+                        <a:latin typeface="Arial" panose="020B0604020202020204" pitchFamily="34" charset="0"/>
+                        <a:ea typeface="+mn-ea"/>
+                        <a:cs typeface="Arial" panose="020B0604020202020204" pitchFamily="34" charset="0"/>
+                      </a:endParaRPr>
+                    </a:p>
+                    <a:p>
+                      <a:pPr marL="0" algn="l" defTabSz="914400" rtl="0" eaLnBrk="1" latinLnBrk="0" hangingPunct="1"/>
+                      <a:r>
+                        <a:rPr lang="en-US" sz="1500" b="1" dirty="0" smtClean="0">
+                          <a:solidFill>
+                            <a:srgbClr val="000000"/>
+                          </a:solidFill>
+                          <a:latin typeface="Arial" panose="020B0604020202020204" pitchFamily="34" charset="0"/>
+                          <a:ea typeface="+mn-ea"/>
+                          <a:cs typeface="Arial" panose="020B0604020202020204" pitchFamily="34" charset="0"/>
+                        </a:rPr>
+                        <a:t>nucleotide reductase-like</a:t>
+                      </a:r>
+                      <a:endParaRPr lang="fi-FI" sz="1500" b="1" kern="1200" dirty="0">
+                        <a:solidFill>
+                          <a:schemeClr val="tx1"/>
+                        </a:solidFill>
+                        <a:latin typeface="Arial" panose="020B0604020202020204" pitchFamily="34" charset="0"/>
+                        <a:ea typeface="+mn-ea"/>
+                        <a:cs typeface="Arial" panose="020B0604020202020204" pitchFamily="34" charset="0"/>
+                      </a:endParaRPr>
+                    </a:p>
+                  </a:txBody>
+                  <a:tcPr anchor="ctr">
+                    <a:lnL w="19050" cap="flat" cmpd="sng" algn="ctr">
+                      <a:solidFill>
+                        <a:schemeClr val="tx1"/>
+                      </a:solidFill>
+                      <a:prstDash val="solid"/>
+                      <a:round/>
+                      <a:headEnd type="none" w="med" len="med"/>
+                      <a:tailEnd type="none" w="med" len="med"/>
+                    </a:lnL>
+                    <a:lnR w="19050" cap="flat" cmpd="sng" algn="ctr">
+                      <a:solidFill>
+                        <a:schemeClr val="tx1"/>
+                      </a:solidFill>
+                      <a:prstDash val="solid"/>
+                      <a:round/>
+                      <a:headEnd type="none" w="med" len="med"/>
+                      <a:tailEnd type="none" w="med" len="med"/>
+                    </a:lnR>
+                    <a:lnT w="19050" cap="flat" cmpd="sng" algn="ctr">
+                      <a:solidFill>
+                        <a:schemeClr val="tx1"/>
+                      </a:solidFill>
+                      <a:prstDash val="solid"/>
+                      <a:round/>
+                      <a:headEnd type="none" w="med" len="med"/>
+                      <a:tailEnd type="none" w="med" len="med"/>
+                    </a:lnT>
+                    <a:lnB w="19050" cap="flat" cmpd="sng" algn="ctr">
+                      <a:solidFill>
+                        <a:schemeClr val="tx1"/>
+                      </a:solidFill>
+                      <a:prstDash val="solid"/>
+                      <a:round/>
+                      <a:headEnd type="none" w="med" len="med"/>
+                      <a:tailEnd type="none" w="med" len="med"/>
+                    </a:lnB>
+                  </a:tcPr>
+                </a:tc>
+                <a:extLst>
+                  <a:ext uri="{0D108BD9-81ED-4DB2-BD59-A6C34878D82A}">
+                    <a16:rowId xmlns:a16="http://schemas.microsoft.com/office/drawing/2014/main" val="4169318344"/>
+                  </a:ext>
+                </a:extLst>
+              </a:tr>
+              <a:tr h="308592">
+                <a:tc>
+                  <a:txBody>
+                    <a:bodyPr/>
+                    <a:lstStyle/>
+                    <a:p>
+                      <a:pPr marL="0" marR="0" lvl="0" indent="0" algn="l" defTabSz="914400" rtl="0" eaLnBrk="1" fontAlgn="auto" latinLnBrk="0" hangingPunct="1">
+                        <a:lnSpc>
+                          <a:spcPct val="100000"/>
+                        </a:lnSpc>
+                        <a:spcBef>
+                          <a:spcPts val="0"/>
+                        </a:spcBef>
+                        <a:spcAft>
+                          <a:spcPts val="0"/>
+                        </a:spcAft>
+                        <a:buClrTx/>
+                        <a:buSzTx/>
+                        <a:buFontTx/>
+                        <a:buNone/>
+                        <a:tabLst/>
+                        <a:defRPr/>
+                      </a:pPr>
+                      <a:r>
+                        <a:rPr lang="fi-FI" sz="1400" b="1" dirty="0" smtClean="0">
+                          <a:solidFill>
+                            <a:srgbClr val="FF44FF"/>
+                          </a:solidFill>
+                          <a:latin typeface="Arial" panose="020B0604020202020204" pitchFamily="34" charset="0"/>
+                          <a:cs typeface="Arial" panose="020B0604020202020204" pitchFamily="34" charset="0"/>
+                        </a:rPr>
+                        <a:t>RNR R2</a:t>
+                      </a:r>
+                      <a:endParaRPr lang="fi-FI" sz="1400" b="1" dirty="0" smtClean="0">
+                        <a:solidFill>
+                          <a:srgbClr val="999900"/>
+                        </a:solidFill>
+                        <a:latin typeface="Arial" panose="020B0604020202020204" pitchFamily="34" charset="0"/>
+                        <a:cs typeface="Arial" panose="020B0604020202020204" pitchFamily="34" charset="0"/>
+                      </a:endParaRPr>
+                    </a:p>
+                  </a:txBody>
+                  <a:tcPr anchor="ctr">
+                    <a:lnL w="19050" cap="flat" cmpd="sng" algn="ctr">
+                      <a:solidFill>
+                        <a:schemeClr val="tx1"/>
+                      </a:solidFill>
+                      <a:prstDash val="solid"/>
+                      <a:round/>
+                      <a:headEnd type="none" w="med" len="med"/>
+                      <a:tailEnd type="none" w="med" len="med"/>
+                    </a:lnL>
+                    <a:lnR w="19050" cap="flat" cmpd="sng" algn="ctr">
+                      <a:solidFill>
+                        <a:schemeClr val="tx1"/>
+                      </a:solidFill>
+                      <a:prstDash val="solid"/>
+                      <a:round/>
+                      <a:headEnd type="none" w="med" len="med"/>
+                      <a:tailEnd type="none" w="med" len="med"/>
+                    </a:lnR>
+                    <a:lnT w="19050" cap="flat" cmpd="sng" algn="ctr">
+                      <a:solidFill>
+                        <a:schemeClr val="tx1"/>
+                      </a:solidFill>
+                      <a:prstDash val="solid"/>
+                      <a:round/>
+                      <a:headEnd type="none" w="med" len="med"/>
+                      <a:tailEnd type="none" w="med" len="med"/>
+                    </a:lnT>
+                    <a:lnB w="19050" cap="flat" cmpd="sng" algn="ctr">
+                      <a:solidFill>
+                        <a:schemeClr val="tx1"/>
+                      </a:solidFill>
+                      <a:prstDash val="solid"/>
+                      <a:round/>
+                      <a:headEnd type="none" w="med" len="med"/>
+                      <a:tailEnd type="none" w="med" len="med"/>
+                    </a:lnB>
+                  </a:tcPr>
+                </a:tc>
+                <a:tc vMerge="1">
+                  <a:txBody>
+                    <a:bodyPr/>
+                    <a:lstStyle/>
+                    <a:p>
+                      <a:pPr marL="0" marR="0" lvl="0" indent="0" algn="ctr" defTabSz="914400" rtl="0" eaLnBrk="1" fontAlgn="auto" latinLnBrk="0" hangingPunct="1">
+                        <a:lnSpc>
+                          <a:spcPct val="100000"/>
+                        </a:lnSpc>
+                        <a:spcBef>
+                          <a:spcPts val="0"/>
+                        </a:spcBef>
+                        <a:spcAft>
+                          <a:spcPts val="0"/>
+                        </a:spcAft>
+                        <a:buClrTx/>
+                        <a:buSzTx/>
+                        <a:buFontTx/>
+                        <a:buNone/>
+                        <a:tabLst/>
+                        <a:defRPr/>
+                      </a:pPr>
+                      <a:endParaRPr lang="fi-FI" sz="1000" dirty="0" smtClean="0">
+                        <a:solidFill>
+                          <a:schemeClr val="tx1"/>
+                        </a:solidFill>
+                      </a:endParaRPr>
+                    </a:p>
+                  </a:txBody>
+                  <a:tcPr anchor="ctr">
+                    <a:lnL w="12700" cap="flat" cmpd="sng" algn="ctr">
+                      <a:solidFill>
+                        <a:schemeClr val="bg1">
+                          <a:lumMod val="75000"/>
+                        </a:schemeClr>
+                      </a:solidFill>
+                      <a:prstDash val="solid"/>
+                      <a:round/>
+                      <a:headEnd type="none" w="med" len="med"/>
+                      <a:tailEnd type="none" w="med" len="med"/>
+                    </a:lnL>
+                    <a:lnR w="12700" cap="flat" cmpd="sng" algn="ctr">
+                      <a:solidFill>
+                        <a:schemeClr val="bg1">
+                          <a:lumMod val="75000"/>
+                        </a:schemeClr>
+                      </a:solidFill>
+                      <a:prstDash val="solid"/>
+                      <a:round/>
+                      <a:headEnd type="none" w="med" len="med"/>
+                      <a:tailEnd type="none" w="med" len="med"/>
+                    </a:lnR>
+                    <a:lnT w="12700" cap="flat" cmpd="sng" algn="ctr">
+                      <a:solidFill>
+                        <a:schemeClr val="bg1">
+                          <a:lumMod val="75000"/>
+                        </a:schemeClr>
+                      </a:solidFill>
+                      <a:prstDash val="solid"/>
+                      <a:round/>
+                      <a:headEnd type="none" w="med" len="med"/>
+                      <a:tailEnd type="none" w="med" len="med"/>
+                    </a:lnT>
+                    <a:lnB w="12700" cap="flat" cmpd="sng" algn="ctr">
+                      <a:solidFill>
+                        <a:schemeClr val="bg1">
+                          <a:lumMod val="75000"/>
+                        </a:schemeClr>
+                      </a:solidFill>
+                      <a:prstDash val="solid"/>
+                      <a:round/>
+                      <a:headEnd type="none" w="med" len="med"/>
+                      <a:tailEnd type="none" w="med" len="med"/>
+                    </a:lnB>
+                  </a:tcPr>
+                </a:tc>
+                <a:extLst>
+                  <a:ext uri="{0D108BD9-81ED-4DB2-BD59-A6C34878D82A}">
+                    <a16:rowId xmlns:a16="http://schemas.microsoft.com/office/drawing/2014/main" val="2407441742"/>
+                  </a:ext>
+                </a:extLst>
+              </a:tr>
+              <a:tr h="453044">
+                <a:tc>
+                  <a:txBody>
+                    <a:bodyPr/>
+                    <a:lstStyle/>
+                    <a:p>
+                      <a:pPr marL="0" marR="0" lvl="0" indent="0" algn="l" defTabSz="914400" rtl="0" eaLnBrk="1" fontAlgn="auto" latinLnBrk="0" hangingPunct="1">
+                        <a:lnSpc>
+                          <a:spcPct val="100000"/>
+                        </a:lnSpc>
+                        <a:spcBef>
+                          <a:spcPts val="0"/>
+                        </a:spcBef>
+                        <a:spcAft>
+                          <a:spcPts val="0"/>
+                        </a:spcAft>
+                        <a:buClrTx/>
+                        <a:buSzTx/>
+                        <a:buFontTx/>
+                        <a:buNone/>
+                        <a:tabLst/>
+                        <a:defRPr/>
+                      </a:pPr>
+                      <a:r>
+                        <a:rPr lang="fi-FI" sz="1400" b="1" dirty="0" smtClean="0">
+                          <a:solidFill>
+                            <a:srgbClr val="FF9F00"/>
+                          </a:solidFill>
+                          <a:latin typeface="Arial" panose="020B0604020202020204" pitchFamily="34" charset="0"/>
+                          <a:cs typeface="Arial" panose="020B0604020202020204" pitchFamily="34" charset="0"/>
+                        </a:rPr>
+                        <a:t>BMM alpha</a:t>
+                      </a:r>
+                    </a:p>
+                  </a:txBody>
+                  <a:tcPr anchor="ctr">
+                    <a:lnL w="19050" cap="flat" cmpd="sng" algn="ctr">
+                      <a:solidFill>
+                        <a:schemeClr val="tx1"/>
+                      </a:solidFill>
+                      <a:prstDash val="solid"/>
+                      <a:round/>
+                      <a:headEnd type="none" w="med" len="med"/>
+                      <a:tailEnd type="none" w="med" len="med"/>
+                    </a:lnL>
+                    <a:lnR w="19050" cap="flat" cmpd="sng" algn="ctr">
+                      <a:solidFill>
+                        <a:schemeClr val="tx1"/>
+                      </a:solidFill>
+                      <a:prstDash val="solid"/>
+                      <a:round/>
+                      <a:headEnd type="none" w="med" len="med"/>
+                      <a:tailEnd type="none" w="med" len="med"/>
+                    </a:lnR>
+                    <a:lnT w="19050" cap="flat" cmpd="sng" algn="ctr">
+                      <a:solidFill>
+                        <a:schemeClr val="tx1"/>
+                      </a:solidFill>
+                      <a:prstDash val="solid"/>
+                      <a:round/>
+                      <a:headEnd type="none" w="med" len="med"/>
+                      <a:tailEnd type="none" w="med" len="med"/>
+                    </a:lnT>
+                    <a:lnB w="19050" cap="flat" cmpd="sng" algn="ctr">
+                      <a:solidFill>
+                        <a:schemeClr val="tx1"/>
+                      </a:solidFill>
+                      <a:prstDash val="solid"/>
+                      <a:round/>
+                      <a:headEnd type="none" w="med" len="med"/>
+                      <a:tailEnd type="none" w="med" len="med"/>
+                    </a:lnB>
+                  </a:tcPr>
+                </a:tc>
+                <a:tc vMerge="1">
+                  <a:txBody>
+                    <a:bodyPr/>
+                    <a:lstStyle/>
+                    <a:p>
+                      <a:pPr algn="l"/>
+                      <a:endParaRPr lang="fi-FI" sz="1050" b="1" dirty="0">
+                        <a:solidFill>
+                          <a:schemeClr val="tx1"/>
+                        </a:solidFill>
+                        <a:latin typeface="Arial" panose="020B0604020202020204" pitchFamily="34" charset="0"/>
+                        <a:cs typeface="Arial" panose="020B0604020202020204" pitchFamily="34" charset="0"/>
+                      </a:endParaRPr>
+                    </a:p>
+                  </a:txBody>
+                  <a:tcPr anchor="ctr">
+                    <a:lnL w="19050" cap="flat" cmpd="sng" algn="ctr">
+                      <a:solidFill>
+                        <a:schemeClr val="tx1"/>
+                      </a:solidFill>
+                      <a:prstDash val="solid"/>
+                      <a:round/>
+                      <a:headEnd type="none" w="med" len="med"/>
+                      <a:tailEnd type="none" w="med" len="med"/>
+                    </a:lnL>
+                    <a:lnR w="19050" cap="flat" cmpd="sng" algn="ctr">
+                      <a:solidFill>
+                        <a:schemeClr val="tx1"/>
+                      </a:solidFill>
+                      <a:prstDash val="solid"/>
+                      <a:round/>
+                      <a:headEnd type="none" w="med" len="med"/>
+                      <a:tailEnd type="none" w="med" len="med"/>
+                    </a:lnR>
+                    <a:lnT w="19050" cap="flat" cmpd="sng" algn="ctr">
+                      <a:solidFill>
+                        <a:schemeClr val="tx1"/>
+                      </a:solidFill>
+                      <a:prstDash val="solid"/>
+                      <a:round/>
+                      <a:headEnd type="none" w="med" len="med"/>
+                      <a:tailEnd type="none" w="med" len="med"/>
+                    </a:lnT>
+                    <a:lnB w="19050" cap="flat" cmpd="sng" algn="ctr">
+                      <a:solidFill>
+                        <a:schemeClr val="tx1"/>
+                      </a:solidFill>
+                      <a:prstDash val="solid"/>
+                      <a:round/>
+                      <a:headEnd type="none" w="med" len="med"/>
+                      <a:tailEnd type="none" w="med" len="med"/>
+                    </a:lnB>
+                  </a:tcPr>
+                </a:tc>
+                <a:extLst>
+                  <a:ext uri="{0D108BD9-81ED-4DB2-BD59-A6C34878D82A}">
+                    <a16:rowId xmlns:a16="http://schemas.microsoft.com/office/drawing/2014/main" val="2867080464"/>
+                  </a:ext>
+                </a:extLst>
+              </a:tr>
+              <a:tr h="308592">
+                <a:tc>
+                  <a:txBody>
+                    <a:bodyPr/>
+                    <a:lstStyle/>
+                    <a:p>
+                      <a:pPr marL="0" marR="0" lvl="0" indent="0" algn="l" defTabSz="914400" rtl="0" eaLnBrk="1" fontAlgn="auto" latinLnBrk="0" hangingPunct="1">
+                        <a:lnSpc>
+                          <a:spcPct val="100000"/>
+                        </a:lnSpc>
+                        <a:spcBef>
+                          <a:spcPts val="0"/>
+                        </a:spcBef>
+                        <a:spcAft>
+                          <a:spcPts val="0"/>
+                        </a:spcAft>
+                        <a:buClrTx/>
+                        <a:buSzTx/>
+                        <a:buFontTx/>
+                        <a:buNone/>
+                        <a:tabLst/>
+                        <a:defRPr/>
+                      </a:pPr>
+                      <a:r>
+                        <a:rPr lang="fi-FI" sz="1400" b="1" dirty="0" smtClean="0">
+                          <a:solidFill>
+                            <a:srgbClr val="999900"/>
+                          </a:solidFill>
+                          <a:latin typeface="Arial" panose="020B0604020202020204" pitchFamily="34" charset="0"/>
+                          <a:cs typeface="Arial" panose="020B0604020202020204" pitchFamily="34" charset="0"/>
+                        </a:rPr>
+                        <a:t>BMM </a:t>
+                      </a:r>
+                      <a:r>
+                        <a:rPr lang="fi-FI" sz="1400" b="1" dirty="0" err="1" smtClean="0">
+                          <a:solidFill>
+                            <a:srgbClr val="999900"/>
+                          </a:solidFill>
+                          <a:latin typeface="Arial" panose="020B0604020202020204" pitchFamily="34" charset="0"/>
+                          <a:cs typeface="Arial" panose="020B0604020202020204" pitchFamily="34" charset="0"/>
+                        </a:rPr>
+                        <a:t>beta</a:t>
+                      </a:r>
+                      <a:endParaRPr lang="fi-FI" sz="1400" b="1" dirty="0" smtClean="0">
+                        <a:solidFill>
+                          <a:srgbClr val="999900"/>
+                        </a:solidFill>
+                        <a:latin typeface="Arial" panose="020B0604020202020204" pitchFamily="34" charset="0"/>
+                        <a:cs typeface="Arial" panose="020B0604020202020204" pitchFamily="34" charset="0"/>
+                      </a:endParaRPr>
+                    </a:p>
+                  </a:txBody>
+                  <a:tcPr anchor="ctr">
+                    <a:lnL w="19050" cap="flat" cmpd="sng" algn="ctr">
+                      <a:solidFill>
+                        <a:schemeClr val="tx1"/>
+                      </a:solidFill>
+                      <a:prstDash val="solid"/>
+                      <a:round/>
+                      <a:headEnd type="none" w="med" len="med"/>
+                      <a:tailEnd type="none" w="med" len="med"/>
+                    </a:lnL>
+                    <a:lnR w="19050" cap="flat" cmpd="sng" algn="ctr">
+                      <a:solidFill>
+                        <a:schemeClr val="tx1"/>
+                      </a:solidFill>
+                      <a:prstDash val="solid"/>
+                      <a:round/>
+                      <a:headEnd type="none" w="med" len="med"/>
+                      <a:tailEnd type="none" w="med" len="med"/>
+                    </a:lnR>
+                    <a:lnT w="19050" cap="flat" cmpd="sng" algn="ctr">
+                      <a:solidFill>
+                        <a:schemeClr val="tx1"/>
+                      </a:solidFill>
+                      <a:prstDash val="solid"/>
+                      <a:round/>
+                      <a:headEnd type="none" w="med" len="med"/>
+                      <a:tailEnd type="none" w="med" len="med"/>
+                    </a:lnT>
+                    <a:lnB w="19050" cap="flat" cmpd="sng" algn="ctr">
+                      <a:solidFill>
+                        <a:schemeClr val="tx1"/>
+                      </a:solidFill>
+                      <a:prstDash val="solid"/>
+                      <a:round/>
+                      <a:headEnd type="none" w="med" len="med"/>
+                      <a:tailEnd type="none" w="med" len="med"/>
+                    </a:lnB>
+                  </a:tcPr>
+                </a:tc>
+                <a:tc vMerge="1">
+                  <a:txBody>
+                    <a:bodyPr/>
+                    <a:lstStyle/>
+                    <a:p>
+                      <a:pPr algn="l"/>
+                      <a:endParaRPr lang="fi-FI" sz="1050" b="1" dirty="0">
+                        <a:solidFill>
+                          <a:schemeClr val="tx1"/>
+                        </a:solidFill>
+                        <a:latin typeface="Arial" panose="020B0604020202020204" pitchFamily="34" charset="0"/>
+                        <a:cs typeface="Arial" panose="020B0604020202020204" pitchFamily="34" charset="0"/>
+                      </a:endParaRPr>
+                    </a:p>
+                  </a:txBody>
+                  <a:tcPr anchor="ctr">
+                    <a:lnL w="19050" cap="flat" cmpd="sng" algn="ctr">
+                      <a:solidFill>
+                        <a:schemeClr val="tx1"/>
+                      </a:solidFill>
+                      <a:prstDash val="solid"/>
+                      <a:round/>
+                      <a:headEnd type="none" w="med" len="med"/>
+                      <a:tailEnd type="none" w="med" len="med"/>
+                    </a:lnL>
+                    <a:lnR w="19050" cap="flat" cmpd="sng" algn="ctr">
+                      <a:solidFill>
+                        <a:schemeClr val="tx1"/>
+                      </a:solidFill>
+                      <a:prstDash val="solid"/>
+                      <a:round/>
+                      <a:headEnd type="none" w="med" len="med"/>
+                      <a:tailEnd type="none" w="med" len="med"/>
+                    </a:lnR>
+                    <a:lnT w="19050" cap="flat" cmpd="sng" algn="ctr">
+                      <a:solidFill>
+                        <a:schemeClr val="tx1"/>
+                      </a:solidFill>
+                      <a:prstDash val="solid"/>
+                      <a:round/>
+                      <a:headEnd type="none" w="med" len="med"/>
+                      <a:tailEnd type="none" w="med" len="med"/>
+                    </a:lnT>
+                    <a:lnB w="19050" cap="flat" cmpd="sng" algn="ctr">
+                      <a:solidFill>
+                        <a:schemeClr val="tx1"/>
+                      </a:solidFill>
+                      <a:prstDash val="solid"/>
+                      <a:round/>
+                      <a:headEnd type="none" w="med" len="med"/>
+                      <a:tailEnd type="none" w="med" len="med"/>
+                    </a:lnB>
+                  </a:tcPr>
+                </a:tc>
+                <a:extLst>
+                  <a:ext uri="{0D108BD9-81ED-4DB2-BD59-A6C34878D82A}">
+                    <a16:rowId xmlns:a16="http://schemas.microsoft.com/office/drawing/2014/main" val="970322910"/>
+                  </a:ext>
+                </a:extLst>
+              </a:tr>
+            </a:tbl>
+          </a:graphicData>
+        </a:graphic>
+      </p:graphicFrame>
     </p:spTree>
     <p:extLst>
       <p:ext uri="{BB962C8B-B14F-4D97-AF65-F5344CB8AC3E}">

--- a/manuscript/Revised/Final_Figure/Fig9_new.pptx
+++ b/manuscript/Revised/Final_Figure/Fig9_new.pptx
@@ -1401,7 +1401,7 @@
           <a:p>
             <a:fld id="{0D4FDB3F-4314-40DD-9228-47D28FBCA990}" type="datetimeFigureOut">
               <a:rPr lang="fi-FI" smtClean="0"/>
-              <a:t>21.10.2024</a:t>
+              <a:t>25.10.2024</a:t>
             </a:fld>
             <a:endParaRPr lang="fi-FI"/>
           </a:p>
@@ -12609,13 +12609,13 @@
               </a:clrTo>
             </a:clrChange>
           </a:blip>
-          <a:srcRect l="9515" t="3436" r="9291" b="4420"/>
+          <a:srcRect l="247" t="-75" r="2037" b="4419"/>
           <a:stretch/>
         </p:blipFill>
         <p:spPr>
-          <a:xfrm rot="7988130">
-            <a:off x="6252339" y="10148263"/>
-            <a:ext cx="4135819" cy="2705403"/>
+          <a:xfrm rot="8117086">
+            <a:off x="5841589" y="10216701"/>
+            <a:ext cx="4977413" cy="2808504"/>
           </a:xfrm>
           <a:prstGeom prst="rect">
             <a:avLst/>
